--- a/Presentation/Jarjat-ConstellationLogger-Presentation.pptx
+++ b/Presentation/Jarjat-ConstellationLogger-Presentation.pptx
@@ -31909,7 +31909,7 @@
         </p:blipFill>
         <p:spPr>
           <a:xfrm>
-            <a:off x="3732212" y="2664619"/>
+            <a:off x="3784600" y="1928093"/>
             <a:ext cx="7529861" cy="2108278"/>
           </a:xfrm>
           <a:prstGeom prst="rect">
@@ -31917,6 +31917,41 @@
           </a:prstGeom>
         </p:spPr>
       </p:pic>
+      <p:sp>
+        <p:nvSpPr>
+          <p:cNvPr id="21" name="TextBox 20">
+            <a:extLst>
+              <a:ext uri="{FF2B5EF4-FFF2-40B4-BE49-F238E27FC236}">
+                <a16:creationId xmlns:a16="http://schemas.microsoft.com/office/drawing/2014/main" id="{79EDB3C6-E110-16E1-1EAD-7D89B055AD69}"/>
+              </a:ext>
+            </a:extLst>
+          </p:cNvPr>
+          <p:cNvSpPr txBox="1"/>
+          <p:nvPr/>
+        </p:nvSpPr>
+        <p:spPr>
+          <a:xfrm>
+            <a:off x="3852800" y="5096947"/>
+            <a:ext cx="7529861" cy="369332"/>
+          </a:xfrm>
+          <a:prstGeom prst="rect">
+            <a:avLst/>
+          </a:prstGeom>
+          <a:noFill/>
+        </p:spPr>
+        <p:txBody>
+          <a:bodyPr wrap="square" rtlCol="0">
+            <a:spAutoFit/>
+          </a:bodyPr>
+          <a:lstStyle/>
+          <a:p>
+            <a:r>
+              <a:rPr lang="en-GB" dirty="0"/>
+              <a:t>https://github.com/jarjc001/ConstellationLogger</a:t>
+            </a:r>
+          </a:p>
+        </p:txBody>
+      </p:sp>
     </p:spTree>
     <p:extLst>
       <p:ext uri="{BB962C8B-B14F-4D97-AF65-F5344CB8AC3E}">

--- a/Presentation/Jarjat-ConstellationLogger-Presentation.pptx
+++ b/Presentation/Jarjat-ConstellationLogger-Presentation.pptx
@@ -5,7 +5,7 @@
     <p:sldMasterId id="2147483660" r:id="rId1"/>
   </p:sldMasterIdLst>
   <p:notesMasterIdLst>
-    <p:notesMasterId r:id="rId18"/>
+    <p:notesMasterId r:id="rId17"/>
   </p:notesMasterIdLst>
   <p:sldIdLst>
     <p:sldId id="256" r:id="rId2"/>
@@ -22,8 +22,7 @@
     <p:sldId id="264" r:id="rId13"/>
     <p:sldId id="265" r:id="rId14"/>
     <p:sldId id="266" r:id="rId15"/>
-    <p:sldId id="270" r:id="rId16"/>
-    <p:sldId id="269" r:id="rId17"/>
+    <p:sldId id="269" r:id="rId16"/>
   </p:sldIdLst>
   <p:sldSz cx="12192000" cy="6858000"/>
   <p:notesSz cx="6858000" cy="9144000"/>
@@ -19783,6 +19782,1106 @@
           <a:chExt cx="0" cy="0"/>
         </a:xfrm>
       </p:grpSpPr>
+      <p:grpSp>
+        <p:nvGrpSpPr>
+          <p:cNvPr id="10" name="Group 9">
+            <a:extLst>
+              <a:ext uri="{FF2B5EF4-FFF2-40B4-BE49-F238E27FC236}">
+                <a16:creationId xmlns:a16="http://schemas.microsoft.com/office/drawing/2014/main" id="{08F94D66-27EC-4CB8-8226-D7F41C161863}"/>
+              </a:ext>
+              <a:ext uri="{C183D7F6-B498-43B3-948B-1728B52AA6E4}">
+                <adec:decorative xmlns:adec="http://schemas.microsoft.com/office/drawing/2017/decorative" val="1"/>
+              </a:ext>
+            </a:extLst>
+          </p:cNvPr>
+          <p:cNvGrpSpPr>
+            <a:grpSpLocks noGrp="1" noUngrp="1" noRot="1" noChangeAspect="1" noMove="1" noResize="1"/>
+          </p:cNvGrpSpPr>
+          <p:nvPr>
+            <p:extLst>
+              <p:ext uri="{386F3935-93C4-4BCD-93E2-E3B085C9AB24}">
+                <p16:designElem xmlns:p16="http://schemas.microsoft.com/office/powerpoint/2015/main" val="1"/>
+              </p:ext>
+            </p:extLst>
+          </p:nvPr>
+        </p:nvGrpSpPr>
+        <p:grpSpPr>
+          <a:xfrm>
+            <a:off x="546100" y="-4763"/>
+            <a:ext cx="5014912" cy="6862763"/>
+            <a:chOff x="2928938" y="-4763"/>
+            <a:chExt cx="5014912" cy="6862763"/>
+          </a:xfrm>
+        </p:grpSpPr>
+        <p:sp>
+          <p:nvSpPr>
+            <p:cNvPr id="11" name="Freeform 6">
+              <a:extLst>
+                <a:ext uri="{FF2B5EF4-FFF2-40B4-BE49-F238E27FC236}">
+                  <a16:creationId xmlns:a16="http://schemas.microsoft.com/office/drawing/2014/main" id="{1A53964C-7D93-4C48-A4A6-C4C2C393C59D}"/>
+                </a:ext>
+                <a:ext uri="{C183D7F6-B498-43B3-948B-1728B52AA6E4}">
+                  <adec:decorative xmlns:adec="http://schemas.microsoft.com/office/drawing/2017/decorative" val="1"/>
+                </a:ext>
+              </a:extLst>
+            </p:cNvPr>
+            <p:cNvSpPr/>
+            <p:nvPr>
+              <p:extLst>
+                <p:ext uri="{386F3935-93C4-4BCD-93E2-E3B085C9AB24}">
+                  <p16:designElem xmlns:p16="http://schemas.microsoft.com/office/powerpoint/2015/main" val="1"/>
+                </p:ext>
+              </p:extLst>
+            </p:nvPr>
+          </p:nvSpPr>
+          <p:spPr bwMode="auto">
+            <a:xfrm>
+              <a:off x="3367088" y="-4763"/>
+              <a:ext cx="1063625" cy="2782888"/>
+            </a:xfrm>
+            <a:custGeom>
+              <a:avLst/>
+              <a:gdLst/>
+              <a:ahLst/>
+              <a:cxnLst/>
+              <a:rect l="0" t="0" r="r" b="b"/>
+              <a:pathLst>
+                <a:path w="670" h="1753">
+                  <a:moveTo>
+                    <a:pt x="0" y="1696"/>
+                  </a:moveTo>
+                  <a:lnTo>
+                    <a:pt x="225" y="1753"/>
+                  </a:lnTo>
+                  <a:lnTo>
+                    <a:pt x="670" y="0"/>
+                  </a:lnTo>
+                  <a:lnTo>
+                    <a:pt x="430" y="0"/>
+                  </a:lnTo>
+                  <a:lnTo>
+                    <a:pt x="0" y="1696"/>
+                  </a:lnTo>
+                  <a:close/>
+                </a:path>
+              </a:pathLst>
+            </a:custGeom>
+            <a:solidFill>
+              <a:schemeClr val="accent1"/>
+            </a:solidFill>
+            <a:ln>
+              <a:noFill/>
+            </a:ln>
+          </p:spPr>
+        </p:sp>
+        <p:sp>
+          <p:nvSpPr>
+            <p:cNvPr id="12" name="Freeform 7">
+              <a:extLst>
+                <a:ext uri="{FF2B5EF4-FFF2-40B4-BE49-F238E27FC236}">
+                  <a16:creationId xmlns:a16="http://schemas.microsoft.com/office/drawing/2014/main" id="{9C944EEC-539E-4389-8785-58E65D04E8DC}"/>
+                </a:ext>
+                <a:ext uri="{C183D7F6-B498-43B3-948B-1728B52AA6E4}">
+                  <adec:decorative xmlns:adec="http://schemas.microsoft.com/office/drawing/2017/decorative" val="1"/>
+                </a:ext>
+              </a:extLst>
+            </p:cNvPr>
+            <p:cNvSpPr/>
+            <p:nvPr>
+              <p:extLst>
+                <p:ext uri="{386F3935-93C4-4BCD-93E2-E3B085C9AB24}">
+                  <p16:designElem xmlns:p16="http://schemas.microsoft.com/office/powerpoint/2015/main" val="1"/>
+                </p:ext>
+              </p:extLst>
+            </p:nvPr>
+          </p:nvSpPr>
+          <p:spPr bwMode="auto">
+            <a:xfrm>
+              <a:off x="2928938" y="-4763"/>
+              <a:ext cx="1035050" cy="2673350"/>
+            </a:xfrm>
+            <a:custGeom>
+              <a:avLst/>
+              <a:gdLst/>
+              <a:ahLst/>
+              <a:cxnLst/>
+              <a:rect l="0" t="0" r="r" b="b"/>
+              <a:pathLst>
+                <a:path w="652" h="1684">
+                  <a:moveTo>
+                    <a:pt x="225" y="1684"/>
+                  </a:moveTo>
+                  <a:lnTo>
+                    <a:pt x="652" y="0"/>
+                  </a:lnTo>
+                  <a:lnTo>
+                    <a:pt x="411" y="0"/>
+                  </a:lnTo>
+                  <a:lnTo>
+                    <a:pt x="0" y="1627"/>
+                  </a:lnTo>
+                  <a:lnTo>
+                    <a:pt x="219" y="1681"/>
+                  </a:lnTo>
+                  <a:lnTo>
+                    <a:pt x="225" y="1684"/>
+                  </a:lnTo>
+                  <a:close/>
+                </a:path>
+              </a:pathLst>
+            </a:custGeom>
+            <a:solidFill>
+              <a:schemeClr val="tx1">
+                <a:lumMod val="65000"/>
+                <a:lumOff val="35000"/>
+              </a:schemeClr>
+            </a:solidFill>
+            <a:ln>
+              <a:noFill/>
+            </a:ln>
+          </p:spPr>
+        </p:sp>
+        <p:sp>
+          <p:nvSpPr>
+            <p:cNvPr id="13" name="Freeform 9">
+              <a:extLst>
+                <a:ext uri="{FF2B5EF4-FFF2-40B4-BE49-F238E27FC236}">
+                  <a16:creationId xmlns:a16="http://schemas.microsoft.com/office/drawing/2014/main" id="{7836EB7E-895C-4D68-B92E-312B371CBDBF}"/>
+                </a:ext>
+                <a:ext uri="{C183D7F6-B498-43B3-948B-1728B52AA6E4}">
+                  <adec:decorative xmlns:adec="http://schemas.microsoft.com/office/drawing/2017/decorative" val="1"/>
+                </a:ext>
+              </a:extLst>
+            </p:cNvPr>
+            <p:cNvSpPr/>
+            <p:nvPr>
+              <p:extLst>
+                <p:ext uri="{386F3935-93C4-4BCD-93E2-E3B085C9AB24}">
+                  <p16:designElem xmlns:p16="http://schemas.microsoft.com/office/powerpoint/2015/main" val="1"/>
+                </p:ext>
+              </p:extLst>
+            </p:nvPr>
+          </p:nvSpPr>
+          <p:spPr bwMode="auto">
+            <a:xfrm>
+              <a:off x="2928938" y="2582862"/>
+              <a:ext cx="2693987" cy="4275138"/>
+            </a:xfrm>
+            <a:custGeom>
+              <a:avLst/>
+              <a:gdLst/>
+              <a:ahLst/>
+              <a:cxnLst/>
+              <a:rect l="0" t="0" r="r" b="b"/>
+              <a:pathLst>
+                <a:path w="1697" h="2693">
+                  <a:moveTo>
+                    <a:pt x="0" y="0"/>
+                  </a:moveTo>
+                  <a:lnTo>
+                    <a:pt x="1622" y="2693"/>
+                  </a:lnTo>
+                  <a:lnTo>
+                    <a:pt x="1697" y="2693"/>
+                  </a:lnTo>
+                  <a:lnTo>
+                    <a:pt x="0" y="0"/>
+                  </a:lnTo>
+                  <a:close/>
+                </a:path>
+              </a:pathLst>
+            </a:custGeom>
+            <a:solidFill>
+              <a:schemeClr val="tx1">
+                <a:lumMod val="85000"/>
+                <a:lumOff val="15000"/>
+              </a:schemeClr>
+            </a:solidFill>
+            <a:ln>
+              <a:noFill/>
+            </a:ln>
+          </p:spPr>
+        </p:sp>
+        <p:sp>
+          <p:nvSpPr>
+            <p:cNvPr id="14" name="Freeform 10">
+              <a:extLst>
+                <a:ext uri="{FF2B5EF4-FFF2-40B4-BE49-F238E27FC236}">
+                  <a16:creationId xmlns:a16="http://schemas.microsoft.com/office/drawing/2014/main" id="{0F29242B-8CE7-4636-B326-4BEE42EB6D6F}"/>
+                </a:ext>
+                <a:ext uri="{C183D7F6-B498-43B3-948B-1728B52AA6E4}">
+                  <adec:decorative xmlns:adec="http://schemas.microsoft.com/office/drawing/2017/decorative" val="1"/>
+                </a:ext>
+              </a:extLst>
+            </p:cNvPr>
+            <p:cNvSpPr/>
+            <p:nvPr>
+              <p:extLst>
+                <p:ext uri="{386F3935-93C4-4BCD-93E2-E3B085C9AB24}">
+                  <p16:designElem xmlns:p16="http://schemas.microsoft.com/office/powerpoint/2015/main" val="1"/>
+                </p:ext>
+              </p:extLst>
+            </p:nvPr>
+          </p:nvSpPr>
+          <p:spPr bwMode="auto">
+            <a:xfrm>
+              <a:off x="3371850" y="2692400"/>
+              <a:ext cx="3332162" cy="4165600"/>
+            </a:xfrm>
+            <a:custGeom>
+              <a:avLst/>
+              <a:gdLst/>
+              <a:ahLst/>
+              <a:cxnLst/>
+              <a:rect l="0" t="0" r="r" b="b"/>
+              <a:pathLst>
+                <a:path w="2099" h="2624">
+                  <a:moveTo>
+                    <a:pt x="2099" y="2624"/>
+                  </a:moveTo>
+                  <a:lnTo>
+                    <a:pt x="0" y="0"/>
+                  </a:lnTo>
+                  <a:lnTo>
+                    <a:pt x="2021" y="2624"/>
+                  </a:lnTo>
+                  <a:lnTo>
+                    <a:pt x="2099" y="2624"/>
+                  </a:lnTo>
+                  <a:close/>
+                </a:path>
+              </a:pathLst>
+            </a:custGeom>
+            <a:solidFill>
+              <a:schemeClr val="accent1">
+                <a:lumMod val="50000"/>
+              </a:schemeClr>
+            </a:solidFill>
+            <a:ln>
+              <a:noFill/>
+            </a:ln>
+          </p:spPr>
+        </p:sp>
+        <p:sp>
+          <p:nvSpPr>
+            <p:cNvPr id="15" name="Freeform 11">
+              <a:extLst>
+                <a:ext uri="{FF2B5EF4-FFF2-40B4-BE49-F238E27FC236}">
+                  <a16:creationId xmlns:a16="http://schemas.microsoft.com/office/drawing/2014/main" id="{4D0B8E9A-7727-4AD9-974E-8815F0B20EB4}"/>
+                </a:ext>
+                <a:ext uri="{C183D7F6-B498-43B3-948B-1728B52AA6E4}">
+                  <adec:decorative xmlns:adec="http://schemas.microsoft.com/office/drawing/2017/decorative" val="1"/>
+                </a:ext>
+              </a:extLst>
+            </p:cNvPr>
+            <p:cNvSpPr/>
+            <p:nvPr>
+              <p:extLst>
+                <p:ext uri="{386F3935-93C4-4BCD-93E2-E3B085C9AB24}">
+                  <p16:designElem xmlns:p16="http://schemas.microsoft.com/office/powerpoint/2015/main" val="1"/>
+                </p:ext>
+              </p:extLst>
+            </p:nvPr>
+          </p:nvSpPr>
+          <p:spPr bwMode="auto">
+            <a:xfrm>
+              <a:off x="3367088" y="2687637"/>
+              <a:ext cx="4576762" cy="4170363"/>
+            </a:xfrm>
+            <a:custGeom>
+              <a:avLst/>
+              <a:gdLst/>
+              <a:ahLst/>
+              <a:cxnLst/>
+              <a:rect l="0" t="0" r="r" b="b"/>
+              <a:pathLst>
+                <a:path w="2883" h="2627">
+                  <a:moveTo>
+                    <a:pt x="0" y="0"/>
+                  </a:moveTo>
+                  <a:lnTo>
+                    <a:pt x="3" y="3"/>
+                  </a:lnTo>
+                  <a:lnTo>
+                    <a:pt x="2102" y="2627"/>
+                  </a:lnTo>
+                  <a:lnTo>
+                    <a:pt x="2883" y="2627"/>
+                  </a:lnTo>
+                  <a:lnTo>
+                    <a:pt x="225" y="57"/>
+                  </a:lnTo>
+                  <a:lnTo>
+                    <a:pt x="0" y="0"/>
+                  </a:lnTo>
+                  <a:close/>
+                </a:path>
+              </a:pathLst>
+            </a:custGeom>
+            <a:solidFill>
+              <a:schemeClr val="accent1">
+                <a:lumMod val="75000"/>
+              </a:schemeClr>
+            </a:solidFill>
+            <a:ln>
+              <a:noFill/>
+            </a:ln>
+          </p:spPr>
+        </p:sp>
+        <p:sp>
+          <p:nvSpPr>
+            <p:cNvPr id="16" name="Freeform 12">
+              <a:extLst>
+                <a:ext uri="{FF2B5EF4-FFF2-40B4-BE49-F238E27FC236}">
+                  <a16:creationId xmlns:a16="http://schemas.microsoft.com/office/drawing/2014/main" id="{1CD6C65C-71BE-4549-926A-1C1135FD06DF}"/>
+                </a:ext>
+                <a:ext uri="{C183D7F6-B498-43B3-948B-1728B52AA6E4}">
+                  <adec:decorative xmlns:adec="http://schemas.microsoft.com/office/drawing/2017/decorative" val="1"/>
+                </a:ext>
+              </a:extLst>
+            </p:cNvPr>
+            <p:cNvSpPr/>
+            <p:nvPr>
+              <p:extLst>
+                <p:ext uri="{386F3935-93C4-4BCD-93E2-E3B085C9AB24}">
+                  <p16:designElem xmlns:p16="http://schemas.microsoft.com/office/powerpoint/2015/main" val="1"/>
+                </p:ext>
+              </p:extLst>
+            </p:nvPr>
+          </p:nvSpPr>
+          <p:spPr bwMode="auto">
+            <a:xfrm>
+              <a:off x="2928938" y="2578100"/>
+              <a:ext cx="3584575" cy="4279900"/>
+            </a:xfrm>
+            <a:custGeom>
+              <a:avLst/>
+              <a:gdLst/>
+              <a:ahLst/>
+              <a:cxnLst/>
+              <a:rect l="0" t="0" r="r" b="b"/>
+              <a:pathLst>
+                <a:path w="2258" h="2696">
+                  <a:moveTo>
+                    <a:pt x="2258" y="2696"/>
+                  </a:moveTo>
+                  <a:lnTo>
+                    <a:pt x="264" y="111"/>
+                  </a:lnTo>
+                  <a:lnTo>
+                    <a:pt x="228" y="60"/>
+                  </a:lnTo>
+                  <a:lnTo>
+                    <a:pt x="225" y="57"/>
+                  </a:lnTo>
+                  <a:lnTo>
+                    <a:pt x="0" y="0"/>
+                  </a:lnTo>
+                  <a:lnTo>
+                    <a:pt x="0" y="3"/>
+                  </a:lnTo>
+                  <a:lnTo>
+                    <a:pt x="1697" y="2696"/>
+                  </a:lnTo>
+                  <a:lnTo>
+                    <a:pt x="2258" y="2696"/>
+                  </a:lnTo>
+                  <a:close/>
+                </a:path>
+              </a:pathLst>
+            </a:custGeom>
+            <a:solidFill>
+              <a:schemeClr val="tx1">
+                <a:lumMod val="75000"/>
+                <a:lumOff val="25000"/>
+              </a:schemeClr>
+            </a:solidFill>
+            <a:ln>
+              <a:noFill/>
+            </a:ln>
+          </p:spPr>
+        </p:sp>
+      </p:grpSp>
+      <p:sp useBgFill="1">
+        <p:nvSpPr>
+          <p:cNvPr id="18" name="Rectangle 17">
+            <a:extLst>
+              <a:ext uri="{FF2B5EF4-FFF2-40B4-BE49-F238E27FC236}">
+                <a16:creationId xmlns:a16="http://schemas.microsoft.com/office/drawing/2014/main" id="{E58348C3-6249-4952-AA86-C63DB35EA9F2}"/>
+              </a:ext>
+              <a:ext uri="{C183D7F6-B498-43B3-948B-1728B52AA6E4}">
+                <adec:decorative xmlns:adec="http://schemas.microsoft.com/office/drawing/2017/decorative" val="1"/>
+              </a:ext>
+            </a:extLst>
+          </p:cNvPr>
+          <p:cNvSpPr>
+            <a:spLocks noGrp="1" noRot="1" noChangeAspect="1" noMove="1" noResize="1" noEditPoints="1" noAdjustHandles="1" noChangeArrowheads="1" noChangeShapeType="1" noTextEdit="1"/>
+          </p:cNvSpPr>
+          <p:nvPr>
+            <p:extLst>
+              <p:ext uri="{386F3935-93C4-4BCD-93E2-E3B085C9AB24}">
+                <p16:designElem xmlns:p16="http://schemas.microsoft.com/office/powerpoint/2015/main" val="1"/>
+              </p:ext>
+            </p:extLst>
+          </p:nvPr>
+        </p:nvSpPr>
+        <p:spPr>
+          <a:xfrm>
+            <a:off x="0" y="0"/>
+            <a:ext cx="12192000" cy="6858000"/>
+          </a:xfrm>
+          <a:prstGeom prst="rect">
+            <a:avLst/>
+          </a:prstGeom>
+          <a:ln>
+            <a:noFill/>
+          </a:ln>
+        </p:spPr>
+        <p:style>
+          <a:lnRef idx="2">
+            <a:schemeClr val="accent1">
+              <a:shade val="50000"/>
+            </a:schemeClr>
+          </a:lnRef>
+          <a:fillRef idx="1">
+            <a:schemeClr val="accent1"/>
+          </a:fillRef>
+          <a:effectRef idx="0">
+            <a:schemeClr val="accent1"/>
+          </a:effectRef>
+          <a:fontRef idx="minor">
+            <a:schemeClr val="lt1"/>
+          </a:fontRef>
+        </p:style>
+        <p:txBody>
+          <a:bodyPr rtlCol="0" anchor="ctr"/>
+          <a:lstStyle/>
+          <a:p>
+            <a:pPr algn="ctr"/>
+            <a:endParaRPr lang="en-US"/>
+          </a:p>
+        </p:txBody>
+      </p:sp>
+      <p:grpSp>
+        <p:nvGrpSpPr>
+          <p:cNvPr id="20" name="Group 19">
+            <a:extLst>
+              <a:ext uri="{FF2B5EF4-FFF2-40B4-BE49-F238E27FC236}">
+                <a16:creationId xmlns:a16="http://schemas.microsoft.com/office/drawing/2014/main" id="{DE6174AD-DBB0-43E6-98C2-738DB3A15244}"/>
+              </a:ext>
+              <a:ext uri="{C183D7F6-B498-43B3-948B-1728B52AA6E4}">
+                <adec:decorative xmlns:adec="http://schemas.microsoft.com/office/drawing/2017/decorative" val="1"/>
+              </a:ext>
+            </a:extLst>
+          </p:cNvPr>
+          <p:cNvGrpSpPr>
+            <a:grpSpLocks noGrp="1" noUngrp="1" noRot="1" noChangeAspect="1" noMove="1" noResize="1"/>
+          </p:cNvGrpSpPr>
+          <p:nvPr>
+            <p:extLst>
+              <p:ext uri="{386F3935-93C4-4BCD-93E2-E3B085C9AB24}">
+                <p16:designElem xmlns:p16="http://schemas.microsoft.com/office/powerpoint/2015/main" val="1"/>
+              </p:ext>
+            </p:extLst>
+          </p:nvPr>
+        </p:nvGrpSpPr>
+        <p:grpSpPr>
+          <a:xfrm>
+            <a:off x="2959100" y="-4763"/>
+            <a:ext cx="5014912" cy="6862763"/>
+            <a:chOff x="2928938" y="-4763"/>
+            <a:chExt cx="5014912" cy="6862763"/>
+          </a:xfrm>
+        </p:grpSpPr>
+        <p:sp>
+          <p:nvSpPr>
+            <p:cNvPr id="21" name="Freeform 6">
+              <a:extLst>
+                <a:ext uri="{FF2B5EF4-FFF2-40B4-BE49-F238E27FC236}">
+                  <a16:creationId xmlns:a16="http://schemas.microsoft.com/office/drawing/2014/main" id="{50A59800-3661-4778-9D8A-F816C85C41D1}"/>
+                </a:ext>
+                <a:ext uri="{C183D7F6-B498-43B3-948B-1728B52AA6E4}">
+                  <adec:decorative xmlns:adec="http://schemas.microsoft.com/office/drawing/2017/decorative" val="1"/>
+                </a:ext>
+              </a:extLst>
+            </p:cNvPr>
+            <p:cNvSpPr/>
+            <p:nvPr>
+              <p:extLst>
+                <p:ext uri="{386F3935-93C4-4BCD-93E2-E3B085C9AB24}">
+                  <p16:designElem xmlns:p16="http://schemas.microsoft.com/office/powerpoint/2015/main" val="1"/>
+                </p:ext>
+              </p:extLst>
+            </p:nvPr>
+          </p:nvSpPr>
+          <p:spPr bwMode="auto">
+            <a:xfrm>
+              <a:off x="3367088" y="-4763"/>
+              <a:ext cx="1063625" cy="2782888"/>
+            </a:xfrm>
+            <a:custGeom>
+              <a:avLst/>
+              <a:gdLst/>
+              <a:ahLst/>
+              <a:cxnLst/>
+              <a:rect l="0" t="0" r="r" b="b"/>
+              <a:pathLst>
+                <a:path w="670" h="1753">
+                  <a:moveTo>
+                    <a:pt x="0" y="1696"/>
+                  </a:moveTo>
+                  <a:lnTo>
+                    <a:pt x="225" y="1753"/>
+                  </a:lnTo>
+                  <a:lnTo>
+                    <a:pt x="670" y="0"/>
+                  </a:lnTo>
+                  <a:lnTo>
+                    <a:pt x="430" y="0"/>
+                  </a:lnTo>
+                  <a:lnTo>
+                    <a:pt x="0" y="1696"/>
+                  </a:lnTo>
+                  <a:close/>
+                </a:path>
+              </a:pathLst>
+            </a:custGeom>
+            <a:solidFill>
+              <a:schemeClr val="accent1"/>
+            </a:solidFill>
+            <a:ln>
+              <a:noFill/>
+            </a:ln>
+          </p:spPr>
+        </p:sp>
+        <p:sp>
+          <p:nvSpPr>
+            <p:cNvPr id="22" name="Freeform 7">
+              <a:extLst>
+                <a:ext uri="{FF2B5EF4-FFF2-40B4-BE49-F238E27FC236}">
+                  <a16:creationId xmlns:a16="http://schemas.microsoft.com/office/drawing/2014/main" id="{7A810977-C816-4698-B7E7-0E6BDED794A1}"/>
+                </a:ext>
+                <a:ext uri="{C183D7F6-B498-43B3-948B-1728B52AA6E4}">
+                  <adec:decorative xmlns:adec="http://schemas.microsoft.com/office/drawing/2017/decorative" val="1"/>
+                </a:ext>
+              </a:extLst>
+            </p:cNvPr>
+            <p:cNvSpPr/>
+            <p:nvPr>
+              <p:extLst>
+                <p:ext uri="{386F3935-93C4-4BCD-93E2-E3B085C9AB24}">
+                  <p16:designElem xmlns:p16="http://schemas.microsoft.com/office/powerpoint/2015/main" val="1"/>
+                </p:ext>
+              </p:extLst>
+            </p:nvPr>
+          </p:nvSpPr>
+          <p:spPr bwMode="auto">
+            <a:xfrm>
+              <a:off x="2928938" y="-4763"/>
+              <a:ext cx="1035050" cy="2673350"/>
+            </a:xfrm>
+            <a:custGeom>
+              <a:avLst/>
+              <a:gdLst/>
+              <a:ahLst/>
+              <a:cxnLst/>
+              <a:rect l="0" t="0" r="r" b="b"/>
+              <a:pathLst>
+                <a:path w="652" h="1684">
+                  <a:moveTo>
+                    <a:pt x="225" y="1684"/>
+                  </a:moveTo>
+                  <a:lnTo>
+                    <a:pt x="652" y="0"/>
+                  </a:lnTo>
+                  <a:lnTo>
+                    <a:pt x="411" y="0"/>
+                  </a:lnTo>
+                  <a:lnTo>
+                    <a:pt x="0" y="1627"/>
+                  </a:lnTo>
+                  <a:lnTo>
+                    <a:pt x="219" y="1681"/>
+                  </a:lnTo>
+                  <a:lnTo>
+                    <a:pt x="225" y="1684"/>
+                  </a:lnTo>
+                  <a:close/>
+                </a:path>
+              </a:pathLst>
+            </a:custGeom>
+            <a:solidFill>
+              <a:schemeClr val="tx1">
+                <a:lumMod val="65000"/>
+                <a:lumOff val="35000"/>
+              </a:schemeClr>
+            </a:solidFill>
+            <a:ln>
+              <a:noFill/>
+            </a:ln>
+          </p:spPr>
+        </p:sp>
+        <p:sp>
+          <p:nvSpPr>
+            <p:cNvPr id="23" name="Freeform 9">
+              <a:extLst>
+                <a:ext uri="{FF2B5EF4-FFF2-40B4-BE49-F238E27FC236}">
+                  <a16:creationId xmlns:a16="http://schemas.microsoft.com/office/drawing/2014/main" id="{181E4B1B-2437-4A14-8927-817FC7AED67F}"/>
+                </a:ext>
+                <a:ext uri="{C183D7F6-B498-43B3-948B-1728B52AA6E4}">
+                  <adec:decorative xmlns:adec="http://schemas.microsoft.com/office/drawing/2017/decorative" val="1"/>
+                </a:ext>
+              </a:extLst>
+            </p:cNvPr>
+            <p:cNvSpPr/>
+            <p:nvPr>
+              <p:extLst>
+                <p:ext uri="{386F3935-93C4-4BCD-93E2-E3B085C9AB24}">
+                  <p16:designElem xmlns:p16="http://schemas.microsoft.com/office/powerpoint/2015/main" val="1"/>
+                </p:ext>
+              </p:extLst>
+            </p:nvPr>
+          </p:nvSpPr>
+          <p:spPr bwMode="auto">
+            <a:xfrm>
+              <a:off x="2928938" y="2582862"/>
+              <a:ext cx="2693987" cy="4275138"/>
+            </a:xfrm>
+            <a:custGeom>
+              <a:avLst/>
+              <a:gdLst/>
+              <a:ahLst/>
+              <a:cxnLst/>
+              <a:rect l="0" t="0" r="r" b="b"/>
+              <a:pathLst>
+                <a:path w="1697" h="2693">
+                  <a:moveTo>
+                    <a:pt x="0" y="0"/>
+                  </a:moveTo>
+                  <a:lnTo>
+                    <a:pt x="1622" y="2693"/>
+                  </a:lnTo>
+                  <a:lnTo>
+                    <a:pt x="1697" y="2693"/>
+                  </a:lnTo>
+                  <a:lnTo>
+                    <a:pt x="0" y="0"/>
+                  </a:lnTo>
+                  <a:close/>
+                </a:path>
+              </a:pathLst>
+            </a:custGeom>
+            <a:solidFill>
+              <a:schemeClr val="tx1">
+                <a:lumMod val="85000"/>
+                <a:lumOff val="15000"/>
+              </a:schemeClr>
+            </a:solidFill>
+            <a:ln>
+              <a:noFill/>
+            </a:ln>
+          </p:spPr>
+        </p:sp>
+        <p:sp>
+          <p:nvSpPr>
+            <p:cNvPr id="24" name="Freeform 10">
+              <a:extLst>
+                <a:ext uri="{FF2B5EF4-FFF2-40B4-BE49-F238E27FC236}">
+                  <a16:creationId xmlns:a16="http://schemas.microsoft.com/office/drawing/2014/main" id="{3F98AD26-9FF7-44EA-B876-9C857F8ED970}"/>
+                </a:ext>
+                <a:ext uri="{C183D7F6-B498-43B3-948B-1728B52AA6E4}">
+                  <adec:decorative xmlns:adec="http://schemas.microsoft.com/office/drawing/2017/decorative" val="1"/>
+                </a:ext>
+              </a:extLst>
+            </p:cNvPr>
+            <p:cNvSpPr/>
+            <p:nvPr>
+              <p:extLst>
+                <p:ext uri="{386F3935-93C4-4BCD-93E2-E3B085C9AB24}">
+                  <p16:designElem xmlns:p16="http://schemas.microsoft.com/office/powerpoint/2015/main" val="1"/>
+                </p:ext>
+              </p:extLst>
+            </p:nvPr>
+          </p:nvSpPr>
+          <p:spPr bwMode="auto">
+            <a:xfrm>
+              <a:off x="3371850" y="2692400"/>
+              <a:ext cx="3332162" cy="4165600"/>
+            </a:xfrm>
+            <a:custGeom>
+              <a:avLst/>
+              <a:gdLst/>
+              <a:ahLst/>
+              <a:cxnLst/>
+              <a:rect l="0" t="0" r="r" b="b"/>
+              <a:pathLst>
+                <a:path w="2099" h="2624">
+                  <a:moveTo>
+                    <a:pt x="2099" y="2624"/>
+                  </a:moveTo>
+                  <a:lnTo>
+                    <a:pt x="0" y="0"/>
+                  </a:lnTo>
+                  <a:lnTo>
+                    <a:pt x="2021" y="2624"/>
+                  </a:lnTo>
+                  <a:lnTo>
+                    <a:pt x="2099" y="2624"/>
+                  </a:lnTo>
+                  <a:close/>
+                </a:path>
+              </a:pathLst>
+            </a:custGeom>
+            <a:solidFill>
+              <a:schemeClr val="accent1">
+                <a:lumMod val="50000"/>
+              </a:schemeClr>
+            </a:solidFill>
+            <a:ln>
+              <a:noFill/>
+            </a:ln>
+          </p:spPr>
+        </p:sp>
+        <p:sp>
+          <p:nvSpPr>
+            <p:cNvPr id="25" name="Freeform 11">
+              <a:extLst>
+                <a:ext uri="{FF2B5EF4-FFF2-40B4-BE49-F238E27FC236}">
+                  <a16:creationId xmlns:a16="http://schemas.microsoft.com/office/drawing/2014/main" id="{32EBB12A-A9CE-446F-9462-15DAC0D0FA52}"/>
+                </a:ext>
+                <a:ext uri="{C183D7F6-B498-43B3-948B-1728B52AA6E4}">
+                  <adec:decorative xmlns:adec="http://schemas.microsoft.com/office/drawing/2017/decorative" val="1"/>
+                </a:ext>
+              </a:extLst>
+            </p:cNvPr>
+            <p:cNvSpPr/>
+            <p:nvPr>
+              <p:extLst>
+                <p:ext uri="{386F3935-93C4-4BCD-93E2-E3B085C9AB24}">
+                  <p16:designElem xmlns:p16="http://schemas.microsoft.com/office/powerpoint/2015/main" val="1"/>
+                </p:ext>
+              </p:extLst>
+            </p:nvPr>
+          </p:nvSpPr>
+          <p:spPr bwMode="auto">
+            <a:xfrm>
+              <a:off x="3367088" y="2687637"/>
+              <a:ext cx="4576762" cy="4170363"/>
+            </a:xfrm>
+            <a:custGeom>
+              <a:avLst/>
+              <a:gdLst/>
+              <a:ahLst/>
+              <a:cxnLst/>
+              <a:rect l="0" t="0" r="r" b="b"/>
+              <a:pathLst>
+                <a:path w="2883" h="2627">
+                  <a:moveTo>
+                    <a:pt x="0" y="0"/>
+                  </a:moveTo>
+                  <a:lnTo>
+                    <a:pt x="3" y="3"/>
+                  </a:lnTo>
+                  <a:lnTo>
+                    <a:pt x="2102" y="2627"/>
+                  </a:lnTo>
+                  <a:lnTo>
+                    <a:pt x="2883" y="2627"/>
+                  </a:lnTo>
+                  <a:lnTo>
+                    <a:pt x="225" y="57"/>
+                  </a:lnTo>
+                  <a:lnTo>
+                    <a:pt x="0" y="0"/>
+                  </a:lnTo>
+                  <a:close/>
+                </a:path>
+              </a:pathLst>
+            </a:custGeom>
+            <a:solidFill>
+              <a:schemeClr val="accent1">
+                <a:lumMod val="75000"/>
+              </a:schemeClr>
+            </a:solidFill>
+            <a:ln>
+              <a:noFill/>
+            </a:ln>
+          </p:spPr>
+        </p:sp>
+        <p:sp>
+          <p:nvSpPr>
+            <p:cNvPr id="26" name="Freeform 12">
+              <a:extLst>
+                <a:ext uri="{FF2B5EF4-FFF2-40B4-BE49-F238E27FC236}">
+                  <a16:creationId xmlns:a16="http://schemas.microsoft.com/office/drawing/2014/main" id="{85925599-F99B-48E5-A384-76136C0818B7}"/>
+                </a:ext>
+                <a:ext uri="{C183D7F6-B498-43B3-948B-1728B52AA6E4}">
+                  <adec:decorative xmlns:adec="http://schemas.microsoft.com/office/drawing/2017/decorative" val="1"/>
+                </a:ext>
+              </a:extLst>
+            </p:cNvPr>
+            <p:cNvSpPr/>
+            <p:nvPr>
+              <p:extLst>
+                <p:ext uri="{386F3935-93C4-4BCD-93E2-E3B085C9AB24}">
+                  <p16:designElem xmlns:p16="http://schemas.microsoft.com/office/powerpoint/2015/main" val="1"/>
+                </p:ext>
+              </p:extLst>
+            </p:nvPr>
+          </p:nvSpPr>
+          <p:spPr bwMode="auto">
+            <a:xfrm>
+              <a:off x="2928938" y="2578100"/>
+              <a:ext cx="3584575" cy="4279900"/>
+            </a:xfrm>
+            <a:custGeom>
+              <a:avLst/>
+              <a:gdLst/>
+              <a:ahLst/>
+              <a:cxnLst/>
+              <a:rect l="0" t="0" r="r" b="b"/>
+              <a:pathLst>
+                <a:path w="2258" h="2696">
+                  <a:moveTo>
+                    <a:pt x="2258" y="2696"/>
+                  </a:moveTo>
+                  <a:lnTo>
+                    <a:pt x="264" y="111"/>
+                  </a:lnTo>
+                  <a:lnTo>
+                    <a:pt x="228" y="60"/>
+                  </a:lnTo>
+                  <a:lnTo>
+                    <a:pt x="225" y="57"/>
+                  </a:lnTo>
+                  <a:lnTo>
+                    <a:pt x="0" y="0"/>
+                  </a:lnTo>
+                  <a:lnTo>
+                    <a:pt x="0" y="3"/>
+                  </a:lnTo>
+                  <a:lnTo>
+                    <a:pt x="1697" y="2696"/>
+                  </a:lnTo>
+                  <a:lnTo>
+                    <a:pt x="2258" y="2696"/>
+                  </a:lnTo>
+                  <a:close/>
+                </a:path>
+              </a:pathLst>
+            </a:custGeom>
+            <a:solidFill>
+              <a:schemeClr val="tx1">
+                <a:lumMod val="75000"/>
+                <a:lumOff val="25000"/>
+              </a:schemeClr>
+            </a:solidFill>
+            <a:ln>
+              <a:noFill/>
+            </a:ln>
+          </p:spPr>
+        </p:sp>
+      </p:grpSp>
+      <p:sp>
+        <p:nvSpPr>
+          <p:cNvPr id="2" name="Title 1">
+            <a:extLst>
+              <a:ext uri="{FF2B5EF4-FFF2-40B4-BE49-F238E27FC236}">
+                <a16:creationId xmlns:a16="http://schemas.microsoft.com/office/drawing/2014/main" id="{50366FDF-EB54-9F92-B9F9-99DE6E1E0EB0}"/>
+              </a:ext>
+            </a:extLst>
+          </p:cNvPr>
+          <p:cNvSpPr>
+            <a:spLocks noGrp="1"/>
+          </p:cNvSpPr>
+          <p:nvPr>
+            <p:ph type="title"/>
+          </p:nvPr>
+        </p:nvSpPr>
+        <p:spPr>
+          <a:xfrm>
+            <a:off x="5448299" y="1380068"/>
+            <a:ext cx="6054723" cy="2616199"/>
+          </a:xfrm>
+        </p:spPr>
+        <p:txBody>
+          <a:bodyPr vert="horz" lIns="91440" tIns="45720" rIns="91440" bIns="45720" rtlCol="0" anchor="b">
+            <a:normAutofit/>
+          </a:bodyPr>
+          <a:lstStyle/>
+          <a:p>
+            <a:pPr algn="r"/>
+            <a:r>
+              <a:rPr lang="en-US" sz="6000" dirty="0"/>
+              <a:t>Questions?</a:t>
+            </a:r>
+          </a:p>
+        </p:txBody>
+      </p:sp>
+      <p:pic>
+        <p:nvPicPr>
+          <p:cNvPr id="5" name="Picture 4" descr="A picture containing outdoor object, star, light, night&#10;&#10;Description automatically generated">
+            <a:extLst>
+              <a:ext uri="{FF2B5EF4-FFF2-40B4-BE49-F238E27FC236}">
+                <a16:creationId xmlns:a16="http://schemas.microsoft.com/office/drawing/2014/main" id="{D248F244-2EF7-2A3A-F24F-A9445DE2DCAE}"/>
+              </a:ext>
+            </a:extLst>
+          </p:cNvPr>
+          <p:cNvPicPr>
+            <a:picLocks noChangeAspect="1"/>
+          </p:cNvPicPr>
+          <p:nvPr/>
+        </p:nvPicPr>
+        <p:blipFill rotWithShape="1">
+          <a:blip r:embed="rId3">
+            <a:extLst>
+              <a:ext uri="{28A0092B-C50C-407E-A947-70E740481C1C}">
+                <a14:useLocalDpi xmlns:a14="http://schemas.microsoft.com/office/drawing/2010/main" val="0"/>
+              </a:ext>
+            </a:extLst>
+          </a:blip>
+          <a:srcRect l="33011" r="19503" b="9092"/>
+          <a:stretch/>
+        </p:blipFill>
+        <p:spPr>
+          <a:xfrm>
+            <a:off x="20" y="10"/>
+            <a:ext cx="5448280" cy="6857990"/>
+          </a:xfrm>
+          <a:custGeom>
+            <a:avLst/>
+            <a:gdLst/>
+            <a:ahLst/>
+            <a:cxnLst/>
+            <a:rect l="l" t="t" r="r" b="b"/>
+            <a:pathLst>
+              <a:path w="5448300" h="6858000">
+                <a:moveTo>
+                  <a:pt x="0" y="0"/>
+                </a:moveTo>
+                <a:lnTo>
+                  <a:pt x="3513666" y="0"/>
+                </a:lnTo>
+                <a:lnTo>
+                  <a:pt x="2861733" y="2548466"/>
+                </a:lnTo>
+                <a:lnTo>
+                  <a:pt x="5448300" y="6853767"/>
+                </a:lnTo>
+                <a:lnTo>
+                  <a:pt x="0" y="6858000"/>
+                </a:lnTo>
+                <a:lnTo>
+                  <a:pt x="0" y="0"/>
+                </a:lnTo>
+                <a:close/>
+              </a:path>
+            </a:pathLst>
+          </a:custGeom>
+          <a:ln w="38100">
+            <a:noFill/>
+          </a:ln>
+          <a:effectLst/>
+        </p:spPr>
+      </p:pic>
+      <p:pic>
+        <p:nvPicPr>
+          <p:cNvPr id="1026" name="Picture 2">
+            <a:extLst>
+              <a:ext uri="{FF2B5EF4-FFF2-40B4-BE49-F238E27FC236}">
+                <a16:creationId xmlns:a16="http://schemas.microsoft.com/office/drawing/2014/main" id="{903271B1-CEE6-EE16-ED2D-D1681653D43A}"/>
+              </a:ext>
+            </a:extLst>
+          </p:cNvPr>
+          <p:cNvPicPr>
+            <a:picLocks noChangeAspect="1" noChangeArrowheads="1"/>
+          </p:cNvPicPr>
+          <p:nvPr/>
+        </p:nvPicPr>
+        <p:blipFill>
+          <a:blip r:embed="rId4">
+            <a:extLst>
+              <a:ext uri="{28A0092B-C50C-407E-A947-70E740481C1C}">
+                <a14:useLocalDpi xmlns:a14="http://schemas.microsoft.com/office/drawing/2010/main" val="0"/>
+              </a:ext>
+            </a:extLst>
+          </a:blip>
+          <a:srcRect/>
+          <a:stretch>
+            <a:fillRect/>
+          </a:stretch>
+        </p:blipFill>
+        <p:spPr bwMode="auto">
+          <a:xfrm>
+            <a:off x="8513763" y="692016"/>
+            <a:ext cx="2057400" cy="2219325"/>
+          </a:xfrm>
+          <a:prstGeom prst="rect">
+            <a:avLst/>
+          </a:prstGeom>
+          <a:noFill/>
+          <a:extLst>
+            <a:ext uri="{909E8E84-426E-40DD-AFC4-6F175D3DCCD1}">
+              <a14:hiddenFill xmlns:a14="http://schemas.microsoft.com/office/drawing/2010/main">
+                <a:solidFill>
+                  <a:srgbClr val="FFFFFF"/>
+                </a:solidFill>
+              </a14:hiddenFill>
+            </a:ext>
+          </a:extLst>
+        </p:spPr>
+      </p:pic>
+    </p:spTree>
+    <p:extLst>
+      <p:ext uri="{BB962C8B-B14F-4D97-AF65-F5344CB8AC3E}">
+        <p14:creationId xmlns:p14="http://schemas.microsoft.com/office/powerpoint/2010/main" val="4251333451"/>
+      </p:ext>
+    </p:extLst>
+  </p:cSld>
+  <p:clrMapOvr>
+    <a:masterClrMapping/>
+  </p:clrMapOvr>
+</p:sld>
+</file>
+
+<file path=ppt/slides/slide2.xml><?xml version="1.0" encoding="utf-8"?>
+<p:sld xmlns:a="http://schemas.openxmlformats.org/drawingml/2006/main" xmlns:r="http://schemas.openxmlformats.org/officeDocument/2006/relationships" xmlns:p="http://schemas.openxmlformats.org/presentationml/2006/main">
+  <p:cSld>
+    <p:bg>
+      <p:bgPr>
+        <a:blipFill rotWithShape="1">
+          <a:blip r:embed="rId3">
+            <a:duotone>
+              <a:schemeClr val="bg2">
+                <a:shade val="76000"/>
+                <a:satMod val="180000"/>
+              </a:schemeClr>
+              <a:schemeClr val="bg2">
+                <a:tint val="80000"/>
+                <a:satMod val="120000"/>
+                <a:lumMod val="180000"/>
+              </a:schemeClr>
+            </a:duotone>
+          </a:blip>
+          <a:stretch/>
+        </a:blipFill>
+        <a:effectLst/>
+      </p:bgPr>
+    </p:bg>
+    <p:spTree>
+      <p:nvGrpSpPr>
+        <p:cNvPr id="1" name=""/>
+        <p:cNvGrpSpPr/>
+        <p:nvPr/>
+      </p:nvGrpSpPr>
+      <p:grpSpPr>
+        <a:xfrm>
+          <a:off x="0" y="0"/>
+          <a:ext cx="0" cy="0"/>
+          <a:chOff x="0" y="0"/>
+          <a:chExt cx="0" cy="0"/>
+        </a:xfrm>
+      </p:grpSpPr>
       <p:sp useBgFill="1">
         <p:nvSpPr>
           <p:cNvPr id="10" name="Rectangle 9">
@@ -20187,2419 +21286,6 @@
               </a:pathLst>
             </a:custGeom>
             <a:blipFill rotWithShape="0">
-              <a:blip r:embed="rId2">
-                <a:duotone>
-                  <a:schemeClr val="bg2">
-                    <a:shade val="76000"/>
-                    <a:satMod val="180000"/>
-                  </a:schemeClr>
-                  <a:schemeClr val="bg2">
-                    <a:tint val="80000"/>
-                    <a:satMod val="120000"/>
-                    <a:lumMod val="180000"/>
-                  </a:schemeClr>
-                </a:duotone>
-              </a:blip>
-              <a:stretch>
-                <a:fillRect l="-114598" r="-265621" b="-28686"/>
-              </a:stretch>
-            </a:blipFill>
-            <a:ln>
-              <a:noFill/>
-            </a:ln>
-          </p:spPr>
-          <p:style>
-            <a:lnRef idx="2">
-              <a:schemeClr val="accent1">
-                <a:shade val="50000"/>
-              </a:schemeClr>
-            </a:lnRef>
-            <a:fillRef idx="1">
-              <a:schemeClr val="accent1"/>
-            </a:fillRef>
-            <a:effectRef idx="0">
-              <a:schemeClr val="accent1"/>
-            </a:effectRef>
-            <a:fontRef idx="minor">
-              <a:schemeClr val="lt1"/>
-            </a:fontRef>
-          </p:style>
-          <p:txBody>
-            <a:bodyPr rtlCol="0" anchor="ctr"/>
-            <a:lstStyle/>
-            <a:p>
-              <a:pPr algn="ctr"/>
-              <a:endParaRPr lang="en-US"/>
-            </a:p>
-          </p:txBody>
-        </p:sp>
-        <p:sp useBgFill="1">
-          <p:nvSpPr>
-            <p:cNvPr id="14" name="Rectangle 20">
-              <a:extLst>
-                <a:ext uri="{FF2B5EF4-FFF2-40B4-BE49-F238E27FC236}">
-                  <a16:creationId xmlns:a16="http://schemas.microsoft.com/office/drawing/2014/main" id="{03DB1AC6-5430-4CD3-BD83-86E675A11A3F}"/>
-                </a:ext>
-                <a:ext uri="{C183D7F6-B498-43B3-948B-1728B52AA6E4}">
-                  <adec:decorative xmlns:adec="http://schemas.microsoft.com/office/drawing/2017/decorative" val="1"/>
-                </a:ext>
-              </a:extLst>
-            </p:cNvPr>
-            <p:cNvSpPr/>
-            <p:nvPr>
-              <p:extLst>
-                <p:ext uri="{386F3935-93C4-4BCD-93E2-E3B085C9AB24}">
-                  <p16:designElem xmlns:p16="http://schemas.microsoft.com/office/powerpoint/2015/main" val="1"/>
-                </p:ext>
-              </p:extLst>
-            </p:nvPr>
-          </p:nvSpPr>
-          <p:spPr bwMode="white">
-            <a:xfrm>
-              <a:off x="2211875" y="5257482"/>
-              <a:ext cx="2586931" cy="1619837"/>
-            </a:xfrm>
-            <a:custGeom>
-              <a:avLst/>
-              <a:gdLst>
-                <a:gd name="connsiteX0" fmla="*/ 0 w 2611581"/>
-                <a:gd name="connsiteY0" fmla="*/ 0 h 4303713"/>
-                <a:gd name="connsiteX1" fmla="*/ 2611581 w 2611581"/>
-                <a:gd name="connsiteY1" fmla="*/ 0 h 4303713"/>
-                <a:gd name="connsiteX2" fmla="*/ 2611581 w 2611581"/>
-                <a:gd name="connsiteY2" fmla="*/ 4303713 h 4303713"/>
-                <a:gd name="connsiteX3" fmla="*/ 0 w 2611581"/>
-                <a:gd name="connsiteY3" fmla="*/ 4303713 h 4303713"/>
-                <a:gd name="connsiteX4" fmla="*/ 0 w 2611581"/>
-                <a:gd name="connsiteY4" fmla="*/ 0 h 4303713"/>
-                <a:gd name="connsiteX0" fmla="*/ 0 w 2611581"/>
-                <a:gd name="connsiteY0" fmla="*/ 0 h 4314104"/>
-                <a:gd name="connsiteX1" fmla="*/ 2611581 w 2611581"/>
-                <a:gd name="connsiteY1" fmla="*/ 0 h 4314104"/>
-                <a:gd name="connsiteX2" fmla="*/ 2611581 w 2611581"/>
-                <a:gd name="connsiteY2" fmla="*/ 4303713 h 4314104"/>
-                <a:gd name="connsiteX3" fmla="*/ 1693718 w 2611581"/>
-                <a:gd name="connsiteY3" fmla="*/ 4314104 h 4314104"/>
-                <a:gd name="connsiteX4" fmla="*/ 0 w 2611581"/>
-                <a:gd name="connsiteY4" fmla="*/ 0 h 4314104"/>
-                <a:gd name="connsiteX0" fmla="*/ 0 w 2611581"/>
-                <a:gd name="connsiteY0" fmla="*/ 0 h 4314104"/>
-                <a:gd name="connsiteX1" fmla="*/ 2611581 w 2611581"/>
-                <a:gd name="connsiteY1" fmla="*/ 0 h 4314104"/>
-                <a:gd name="connsiteX2" fmla="*/ 2611581 w 2611581"/>
-                <a:gd name="connsiteY2" fmla="*/ 4303713 h 4314104"/>
-                <a:gd name="connsiteX3" fmla="*/ 1963882 w 2611581"/>
-                <a:gd name="connsiteY3" fmla="*/ 4314104 h 4314104"/>
-                <a:gd name="connsiteX4" fmla="*/ 0 w 2611581"/>
-                <a:gd name="connsiteY4" fmla="*/ 0 h 4314104"/>
-                <a:gd name="connsiteX0" fmla="*/ 0 w 2611581"/>
-                <a:gd name="connsiteY0" fmla="*/ 0 h 4303713"/>
-                <a:gd name="connsiteX1" fmla="*/ 2611581 w 2611581"/>
-                <a:gd name="connsiteY1" fmla="*/ 0 h 4303713"/>
-                <a:gd name="connsiteX2" fmla="*/ 2611581 w 2611581"/>
-                <a:gd name="connsiteY2" fmla="*/ 4303713 h 4303713"/>
-                <a:gd name="connsiteX3" fmla="*/ 2213264 w 2611581"/>
-                <a:gd name="connsiteY3" fmla="*/ 4293322 h 4303713"/>
-                <a:gd name="connsiteX4" fmla="*/ 0 w 2611581"/>
-                <a:gd name="connsiteY4" fmla="*/ 0 h 4303713"/>
-                <a:gd name="connsiteX0" fmla="*/ 0 w 2611581"/>
-                <a:gd name="connsiteY0" fmla="*/ 0 h 4303713"/>
-                <a:gd name="connsiteX1" fmla="*/ 2611581 w 2611581"/>
-                <a:gd name="connsiteY1" fmla="*/ 0 h 4303713"/>
-                <a:gd name="connsiteX2" fmla="*/ 2611581 w 2611581"/>
-                <a:gd name="connsiteY2" fmla="*/ 4303713 h 4303713"/>
-                <a:gd name="connsiteX3" fmla="*/ 2171701 w 2611581"/>
-                <a:gd name="connsiteY3" fmla="*/ 3638695 h 4303713"/>
-                <a:gd name="connsiteX4" fmla="*/ 0 w 2611581"/>
-                <a:gd name="connsiteY4" fmla="*/ 0 h 4303713"/>
-                <a:gd name="connsiteX0" fmla="*/ 0 w 2720934"/>
-                <a:gd name="connsiteY0" fmla="*/ 268283 h 4303713"/>
-                <a:gd name="connsiteX1" fmla="*/ 2720934 w 2720934"/>
-                <a:gd name="connsiteY1" fmla="*/ 0 h 4303713"/>
-                <a:gd name="connsiteX2" fmla="*/ 2720934 w 2720934"/>
-                <a:gd name="connsiteY2" fmla="*/ 4303713 h 4303713"/>
-                <a:gd name="connsiteX3" fmla="*/ 2281054 w 2720934"/>
-                <a:gd name="connsiteY3" fmla="*/ 3638695 h 4303713"/>
-                <a:gd name="connsiteX4" fmla="*/ 0 w 2720934"/>
-                <a:gd name="connsiteY4" fmla="*/ 268283 h 4303713"/>
-                <a:gd name="connsiteX0" fmla="*/ 0 w 2720934"/>
-                <a:gd name="connsiteY0" fmla="*/ 268283 h 4303713"/>
-                <a:gd name="connsiteX1" fmla="*/ 2720934 w 2720934"/>
-                <a:gd name="connsiteY1" fmla="*/ 0 h 4303713"/>
-                <a:gd name="connsiteX2" fmla="*/ 2720934 w 2720934"/>
-                <a:gd name="connsiteY2" fmla="*/ 4303713 h 4303713"/>
-                <a:gd name="connsiteX3" fmla="*/ 2264231 w 2720934"/>
-                <a:gd name="connsiteY3" fmla="*/ 3717600 h 4303713"/>
-                <a:gd name="connsiteX4" fmla="*/ 0 w 2720934"/>
-                <a:gd name="connsiteY4" fmla="*/ 268283 h 4303713"/>
-                <a:gd name="connsiteX0" fmla="*/ 0 w 2720934"/>
-                <a:gd name="connsiteY0" fmla="*/ 268283 h 4335275"/>
-                <a:gd name="connsiteX1" fmla="*/ 2720934 w 2720934"/>
-                <a:gd name="connsiteY1" fmla="*/ 0 h 4335275"/>
-                <a:gd name="connsiteX2" fmla="*/ 2653639 w 2720934"/>
-                <a:gd name="connsiteY2" fmla="*/ 4335275 h 4335275"/>
-                <a:gd name="connsiteX3" fmla="*/ 2264231 w 2720934"/>
-                <a:gd name="connsiteY3" fmla="*/ 3717600 h 4335275"/>
-                <a:gd name="connsiteX4" fmla="*/ 0 w 2720934"/>
-                <a:gd name="connsiteY4" fmla="*/ 268283 h 4335275"/>
-                <a:gd name="connsiteX0" fmla="*/ 0 w 2737757"/>
-                <a:gd name="connsiteY0" fmla="*/ 236721 h 4335275"/>
-                <a:gd name="connsiteX1" fmla="*/ 2737757 w 2737757"/>
-                <a:gd name="connsiteY1" fmla="*/ 0 h 4335275"/>
-                <a:gd name="connsiteX2" fmla="*/ 2670462 w 2737757"/>
-                <a:gd name="connsiteY2" fmla="*/ 4335275 h 4335275"/>
-                <a:gd name="connsiteX3" fmla="*/ 2281054 w 2737757"/>
-                <a:gd name="connsiteY3" fmla="*/ 3717600 h 4335275"/>
-                <a:gd name="connsiteX4" fmla="*/ 0 w 2737757"/>
-                <a:gd name="connsiteY4" fmla="*/ 236721 h 4335275"/>
-                <a:gd name="connsiteX0" fmla="*/ 0 w 2729346"/>
-                <a:gd name="connsiteY0" fmla="*/ 0 h 4098554"/>
-                <a:gd name="connsiteX1" fmla="*/ 2729346 w 2729346"/>
-                <a:gd name="connsiteY1" fmla="*/ 126250 h 4098554"/>
-                <a:gd name="connsiteX2" fmla="*/ 2670462 w 2729346"/>
-                <a:gd name="connsiteY2" fmla="*/ 4098554 h 4098554"/>
-                <a:gd name="connsiteX3" fmla="*/ 2281054 w 2729346"/>
-                <a:gd name="connsiteY3" fmla="*/ 3480879 h 4098554"/>
-                <a:gd name="connsiteX4" fmla="*/ 0 w 2729346"/>
-                <a:gd name="connsiteY4" fmla="*/ 0 h 4098554"/>
-                <a:gd name="connsiteX0" fmla="*/ 0 w 2720934"/>
-                <a:gd name="connsiteY0" fmla="*/ 0 h 4098554"/>
-                <a:gd name="connsiteX1" fmla="*/ 2720934 w 2720934"/>
-                <a:gd name="connsiteY1" fmla="*/ 31562 h 4098554"/>
-                <a:gd name="connsiteX2" fmla="*/ 2670462 w 2720934"/>
-                <a:gd name="connsiteY2" fmla="*/ 4098554 h 4098554"/>
-                <a:gd name="connsiteX3" fmla="*/ 2281054 w 2720934"/>
-                <a:gd name="connsiteY3" fmla="*/ 3480879 h 4098554"/>
-                <a:gd name="connsiteX4" fmla="*/ 0 w 2720934"/>
-                <a:gd name="connsiteY4" fmla="*/ 0 h 4098554"/>
-                <a:gd name="connsiteX0" fmla="*/ 0 w 2720934"/>
-                <a:gd name="connsiteY0" fmla="*/ 15782 h 4114336"/>
-                <a:gd name="connsiteX1" fmla="*/ 2720934 w 2720934"/>
-                <a:gd name="connsiteY1" fmla="*/ 0 h 4114336"/>
-                <a:gd name="connsiteX2" fmla="*/ 2670462 w 2720934"/>
-                <a:gd name="connsiteY2" fmla="*/ 4114336 h 4114336"/>
-                <a:gd name="connsiteX3" fmla="*/ 2281054 w 2720934"/>
-                <a:gd name="connsiteY3" fmla="*/ 3496661 h 4114336"/>
-                <a:gd name="connsiteX4" fmla="*/ 0 w 2720934"/>
-                <a:gd name="connsiteY4" fmla="*/ 15782 h 4114336"/>
-                <a:gd name="connsiteX0" fmla="*/ 0 w 2820289"/>
-                <a:gd name="connsiteY0" fmla="*/ 15782 h 4114336"/>
-                <a:gd name="connsiteX1" fmla="*/ 2820289 w 2820289"/>
-                <a:gd name="connsiteY1" fmla="*/ 0 h 4114336"/>
-                <a:gd name="connsiteX2" fmla="*/ 2769817 w 2820289"/>
-                <a:gd name="connsiteY2" fmla="*/ 4114336 h 4114336"/>
-                <a:gd name="connsiteX3" fmla="*/ 2380409 w 2820289"/>
-                <a:gd name="connsiteY3" fmla="*/ 3496661 h 4114336"/>
-                <a:gd name="connsiteX4" fmla="*/ 0 w 2820289"/>
-                <a:gd name="connsiteY4" fmla="*/ 15782 h 4114336"/>
-                <a:gd name="connsiteX0" fmla="*/ 0 w 2820289"/>
-                <a:gd name="connsiteY0" fmla="*/ 15782 h 4114336"/>
-                <a:gd name="connsiteX1" fmla="*/ 2820289 w 2820289"/>
-                <a:gd name="connsiteY1" fmla="*/ 0 h 4114336"/>
-                <a:gd name="connsiteX2" fmla="*/ 2769817 w 2820289"/>
-                <a:gd name="connsiteY2" fmla="*/ 4114336 h 4114336"/>
-                <a:gd name="connsiteX3" fmla="*/ 2362876 w 2820289"/>
-                <a:gd name="connsiteY3" fmla="*/ 3517980 h 4114336"/>
-                <a:gd name="connsiteX4" fmla="*/ 0 w 2820289"/>
-                <a:gd name="connsiteY4" fmla="*/ 15782 h 4114336"/>
-                <a:gd name="connsiteX0" fmla="*/ 0 w 2820289"/>
-                <a:gd name="connsiteY0" fmla="*/ 15782 h 4114336"/>
-                <a:gd name="connsiteX1" fmla="*/ 2820289 w 2820289"/>
-                <a:gd name="connsiteY1" fmla="*/ 0 h 4114336"/>
-                <a:gd name="connsiteX2" fmla="*/ 2763972 w 2820289"/>
-                <a:gd name="connsiteY2" fmla="*/ 4114336 h 4114336"/>
-                <a:gd name="connsiteX3" fmla="*/ 2362876 w 2820289"/>
-                <a:gd name="connsiteY3" fmla="*/ 3517980 h 4114336"/>
-                <a:gd name="connsiteX4" fmla="*/ 0 w 2820289"/>
-                <a:gd name="connsiteY4" fmla="*/ 15782 h 4114336"/>
-                <a:gd name="connsiteX0" fmla="*/ 0 w 3721149"/>
-                <a:gd name="connsiteY0" fmla="*/ 0 h 4269703"/>
-                <a:gd name="connsiteX1" fmla="*/ 3721149 w 3721149"/>
-                <a:gd name="connsiteY1" fmla="*/ 155367 h 4269703"/>
-                <a:gd name="connsiteX2" fmla="*/ 3664832 w 3721149"/>
-                <a:gd name="connsiteY2" fmla="*/ 4269703 h 4269703"/>
-                <a:gd name="connsiteX3" fmla="*/ 3263736 w 3721149"/>
-                <a:gd name="connsiteY3" fmla="*/ 3673347 h 4269703"/>
-                <a:gd name="connsiteX4" fmla="*/ 0 w 3721149"/>
-                <a:gd name="connsiteY4" fmla="*/ 0 h 4269703"/>
-                <a:gd name="connsiteX0" fmla="*/ 0 w 3721149"/>
-                <a:gd name="connsiteY0" fmla="*/ 0 h 4289488"/>
-                <a:gd name="connsiteX1" fmla="*/ 3721149 w 3721149"/>
-                <a:gd name="connsiteY1" fmla="*/ 155367 h 4289488"/>
-                <a:gd name="connsiteX2" fmla="*/ 3664832 w 3721149"/>
-                <a:gd name="connsiteY2" fmla="*/ 4269703 h 4289488"/>
-                <a:gd name="connsiteX3" fmla="*/ 1705997 w 3721149"/>
-                <a:gd name="connsiteY3" fmla="*/ 4289488 h 4289488"/>
-                <a:gd name="connsiteX4" fmla="*/ 0 w 3721149"/>
-                <a:gd name="connsiteY4" fmla="*/ 0 h 4289488"/>
-                <a:gd name="connsiteX0" fmla="*/ 0 w 3664846"/>
-                <a:gd name="connsiteY0" fmla="*/ 15785 h 4305273"/>
-                <a:gd name="connsiteX1" fmla="*/ 3664846 w 3664846"/>
-                <a:gd name="connsiteY1" fmla="*/ 0 h 4305273"/>
-                <a:gd name="connsiteX2" fmla="*/ 3664832 w 3664846"/>
-                <a:gd name="connsiteY2" fmla="*/ 4285488 h 4305273"/>
-                <a:gd name="connsiteX3" fmla="*/ 1705997 w 3664846"/>
-                <a:gd name="connsiteY3" fmla="*/ 4305273 h 4305273"/>
-                <a:gd name="connsiteX4" fmla="*/ 0 w 3664846"/>
-                <a:gd name="connsiteY4" fmla="*/ 15785 h 4305273"/>
-              </a:gdLst>
-              <a:ahLst/>
-              <a:cxnLst>
-                <a:cxn ang="0">
-                  <a:pos x="connsiteX0" y="connsiteY0"/>
-                </a:cxn>
-                <a:cxn ang="0">
-                  <a:pos x="connsiteX1" y="connsiteY1"/>
-                </a:cxn>
-                <a:cxn ang="0">
-                  <a:pos x="connsiteX2" y="connsiteY2"/>
-                </a:cxn>
-                <a:cxn ang="0">
-                  <a:pos x="connsiteX3" y="connsiteY3"/>
-                </a:cxn>
-                <a:cxn ang="0">
-                  <a:pos x="connsiteX4" y="connsiteY4"/>
-                </a:cxn>
-              </a:cxnLst>
-              <a:rect l="l" t="t" r="r" b="b"/>
-              <a:pathLst>
-                <a:path w="3664846" h="4305273">
-                  <a:moveTo>
-                    <a:pt x="0" y="15785"/>
-                  </a:moveTo>
-                  <a:lnTo>
-                    <a:pt x="3664846" y="0"/>
-                  </a:lnTo>
-                  <a:cubicBezTo>
-                    <a:pt x="3664841" y="1428496"/>
-                    <a:pt x="3664837" y="2856992"/>
-                    <a:pt x="3664832" y="4285488"/>
-                  </a:cubicBezTo>
-                  <a:lnTo>
-                    <a:pt x="1705997" y="4305273"/>
-                  </a:lnTo>
-                  <a:lnTo>
-                    <a:pt x="0" y="15785"/>
-                  </a:lnTo>
-                  <a:close/>
-                </a:path>
-              </a:pathLst>
-            </a:custGeom>
-            <a:blipFill rotWithShape="0">
-              <a:blip r:embed="rId2">
-                <a:duotone>
-                  <a:schemeClr val="bg2">
-                    <a:shade val="76000"/>
-                    <a:satMod val="180000"/>
-                  </a:schemeClr>
-                  <a:schemeClr val="bg2">
-                    <a:tint val="80000"/>
-                    <a:satMod val="120000"/>
-                    <a:lumMod val="180000"/>
-                  </a:schemeClr>
-                </a:duotone>
-              </a:blip>
-              <a:stretch>
-                <a:fillRect l="-163116" t="-323529" r="-398251"/>
-              </a:stretch>
-            </a:blipFill>
-            <a:ln>
-              <a:noFill/>
-            </a:ln>
-          </p:spPr>
-          <p:style>
-            <a:lnRef idx="2">
-              <a:schemeClr val="accent1">
-                <a:shade val="50000"/>
-              </a:schemeClr>
-            </a:lnRef>
-            <a:fillRef idx="1">
-              <a:schemeClr val="accent1"/>
-            </a:fillRef>
-            <a:effectRef idx="0">
-              <a:schemeClr val="accent1"/>
-            </a:effectRef>
-            <a:fontRef idx="minor">
-              <a:schemeClr val="lt1"/>
-            </a:fontRef>
-          </p:style>
-          <p:txBody>
-            <a:bodyPr rtlCol="0" anchor="ctr"/>
-            <a:lstStyle/>
-            <a:p>
-              <a:pPr algn="ctr"/>
-              <a:endParaRPr lang="en-US"/>
-            </a:p>
-          </p:txBody>
-        </p:sp>
-      </p:grpSp>
-      <p:grpSp>
-        <p:nvGrpSpPr>
-          <p:cNvPr id="16" name="Group 15">
-            <a:extLst>
-              <a:ext uri="{FF2B5EF4-FFF2-40B4-BE49-F238E27FC236}">
-                <a16:creationId xmlns:a16="http://schemas.microsoft.com/office/drawing/2014/main" id="{78326E10-C8CB-487F-A110-F861268DE619}"/>
-              </a:ext>
-              <a:ext uri="{C183D7F6-B498-43B3-948B-1728B52AA6E4}">
-                <adec:decorative xmlns:adec="http://schemas.microsoft.com/office/drawing/2017/decorative" val="1"/>
-              </a:ext>
-            </a:extLst>
-          </p:cNvPr>
-          <p:cNvGrpSpPr>
-            <a:grpSpLocks noGrp="1" noUngrp="1" noRot="1" noChangeAspect="1" noMove="1" noResize="1"/>
-          </p:cNvGrpSpPr>
-          <p:nvPr>
-            <p:extLst>
-              <p:ext uri="{386F3935-93C4-4BCD-93E2-E3B085C9AB24}">
-                <p16:designElem xmlns:p16="http://schemas.microsoft.com/office/powerpoint/2015/main" val="1"/>
-              </p:ext>
-            </p:extLst>
-          </p:nvPr>
-        </p:nvGrpSpPr>
-        <p:grpSpPr>
-          <a:xfrm>
-            <a:off x="2360612" y="0"/>
-            <a:ext cx="2436813" cy="6858001"/>
-            <a:chOff x="1320800" y="0"/>
-            <a:chExt cx="2436813" cy="6858001"/>
-          </a:xfrm>
-        </p:grpSpPr>
-        <p:sp>
-          <p:nvSpPr>
-            <p:cNvPr id="17" name="Freeform 6">
-              <a:extLst>
-                <a:ext uri="{FF2B5EF4-FFF2-40B4-BE49-F238E27FC236}">
-                  <a16:creationId xmlns:a16="http://schemas.microsoft.com/office/drawing/2014/main" id="{3279962B-46D2-4E19-B632-39B80D1E80AA}"/>
-                </a:ext>
-                <a:ext uri="{C183D7F6-B498-43B3-948B-1728B52AA6E4}">
-                  <adec:decorative xmlns:adec="http://schemas.microsoft.com/office/drawing/2017/decorative" val="1"/>
-                </a:ext>
-              </a:extLst>
-            </p:cNvPr>
-            <p:cNvSpPr/>
-            <p:nvPr>
-              <p:extLst>
-                <p:ext uri="{386F3935-93C4-4BCD-93E2-E3B085C9AB24}">
-                  <p16:designElem xmlns:p16="http://schemas.microsoft.com/office/powerpoint/2015/main" val="1"/>
-                </p:ext>
-              </p:extLst>
-            </p:nvPr>
-          </p:nvSpPr>
-          <p:spPr bwMode="auto">
-            <a:xfrm>
-              <a:off x="1627188" y="0"/>
-              <a:ext cx="1122363" cy="5329238"/>
-            </a:xfrm>
-            <a:custGeom>
-              <a:avLst/>
-              <a:gdLst/>
-              <a:ahLst/>
-              <a:cxnLst/>
-              <a:rect l="0" t="0" r="r" b="b"/>
-              <a:pathLst>
-                <a:path w="707" h="3357">
-                  <a:moveTo>
-                    <a:pt x="0" y="3330"/>
-                  </a:moveTo>
-                  <a:lnTo>
-                    <a:pt x="156" y="3357"/>
-                  </a:lnTo>
-                  <a:lnTo>
-                    <a:pt x="707" y="0"/>
-                  </a:lnTo>
-                  <a:lnTo>
-                    <a:pt x="547" y="0"/>
-                  </a:lnTo>
-                  <a:lnTo>
-                    <a:pt x="0" y="3330"/>
-                  </a:lnTo>
-                  <a:close/>
-                </a:path>
-              </a:pathLst>
-            </a:custGeom>
-            <a:solidFill>
-              <a:schemeClr val="accent1"/>
-            </a:solidFill>
-            <a:ln>
-              <a:noFill/>
-            </a:ln>
-          </p:spPr>
-        </p:sp>
-        <p:sp>
-          <p:nvSpPr>
-            <p:cNvPr id="18" name="Freeform 7">
-              <a:extLst>
-                <a:ext uri="{FF2B5EF4-FFF2-40B4-BE49-F238E27FC236}">
-                  <a16:creationId xmlns:a16="http://schemas.microsoft.com/office/drawing/2014/main" id="{321A335A-53CB-4C17-AB51-5D9C2DCB45E0}"/>
-                </a:ext>
-                <a:ext uri="{C183D7F6-B498-43B3-948B-1728B52AA6E4}">
-                  <adec:decorative xmlns:adec="http://schemas.microsoft.com/office/drawing/2017/decorative" val="1"/>
-                </a:ext>
-              </a:extLst>
-            </p:cNvPr>
-            <p:cNvSpPr/>
-            <p:nvPr>
-              <p:extLst>
-                <p:ext uri="{386F3935-93C4-4BCD-93E2-E3B085C9AB24}">
-                  <p16:designElem xmlns:p16="http://schemas.microsoft.com/office/powerpoint/2015/main" val="1"/>
-                </p:ext>
-              </p:extLst>
-            </p:nvPr>
-          </p:nvSpPr>
-          <p:spPr bwMode="auto">
-            <a:xfrm>
-              <a:off x="1320800" y="0"/>
-              <a:ext cx="1117600" cy="5276850"/>
-            </a:xfrm>
-            <a:custGeom>
-              <a:avLst/>
-              <a:gdLst/>
-              <a:ahLst/>
-              <a:cxnLst/>
-              <a:rect l="0" t="0" r="r" b="b"/>
-              <a:pathLst>
-                <a:path w="704" h="3324">
-                  <a:moveTo>
-                    <a:pt x="704" y="0"/>
-                  </a:moveTo>
-                  <a:lnTo>
-                    <a:pt x="545" y="0"/>
-                  </a:lnTo>
-                  <a:lnTo>
-                    <a:pt x="0" y="3300"/>
-                  </a:lnTo>
-                  <a:lnTo>
-                    <a:pt x="157" y="3324"/>
-                  </a:lnTo>
-                  <a:lnTo>
-                    <a:pt x="704" y="0"/>
-                  </a:lnTo>
-                  <a:close/>
-                </a:path>
-              </a:pathLst>
-            </a:custGeom>
-            <a:solidFill>
-              <a:schemeClr val="tx1">
-                <a:lumMod val="65000"/>
-                <a:lumOff val="35000"/>
-              </a:schemeClr>
-            </a:solidFill>
-            <a:ln>
-              <a:noFill/>
-            </a:ln>
-          </p:spPr>
-        </p:sp>
-        <p:sp>
-          <p:nvSpPr>
-            <p:cNvPr id="19" name="Freeform 8">
-              <a:extLst>
-                <a:ext uri="{FF2B5EF4-FFF2-40B4-BE49-F238E27FC236}">
-                  <a16:creationId xmlns:a16="http://schemas.microsoft.com/office/drawing/2014/main" id="{A0E0D557-405B-469F-AEDE-4E3404AA416D}"/>
-                </a:ext>
-                <a:ext uri="{C183D7F6-B498-43B3-948B-1728B52AA6E4}">
-                  <adec:decorative xmlns:adec="http://schemas.microsoft.com/office/drawing/2017/decorative" val="1"/>
-                </a:ext>
-              </a:extLst>
-            </p:cNvPr>
-            <p:cNvSpPr/>
-            <p:nvPr>
-              <p:extLst>
-                <p:ext uri="{386F3935-93C4-4BCD-93E2-E3B085C9AB24}">
-                  <p16:designElem xmlns:p16="http://schemas.microsoft.com/office/powerpoint/2015/main" val="1"/>
-                </p:ext>
-              </p:extLst>
-            </p:nvPr>
-          </p:nvSpPr>
-          <p:spPr bwMode="auto">
-            <a:xfrm>
-              <a:off x="1320800" y="5238750"/>
-              <a:ext cx="1228725" cy="1619250"/>
-            </a:xfrm>
-            <a:custGeom>
-              <a:avLst/>
-              <a:gdLst/>
-              <a:ahLst/>
-              <a:cxnLst/>
-              <a:rect l="0" t="0" r="r" b="b"/>
-              <a:pathLst>
-                <a:path w="774" h="1020">
-                  <a:moveTo>
-                    <a:pt x="0" y="0"/>
-                  </a:moveTo>
-                  <a:lnTo>
-                    <a:pt x="740" y="1020"/>
-                  </a:lnTo>
-                  <a:lnTo>
-                    <a:pt x="774" y="1020"/>
-                  </a:lnTo>
-                  <a:lnTo>
-                    <a:pt x="0" y="0"/>
-                  </a:lnTo>
-                  <a:close/>
-                </a:path>
-              </a:pathLst>
-            </a:custGeom>
-            <a:solidFill>
-              <a:schemeClr val="tx1">
-                <a:lumMod val="85000"/>
-                <a:lumOff val="15000"/>
-              </a:schemeClr>
-            </a:solidFill>
-            <a:ln>
-              <a:noFill/>
-            </a:ln>
-          </p:spPr>
-        </p:sp>
-        <p:sp>
-          <p:nvSpPr>
-            <p:cNvPr id="20" name="Freeform 9">
-              <a:extLst>
-                <a:ext uri="{FF2B5EF4-FFF2-40B4-BE49-F238E27FC236}">
-                  <a16:creationId xmlns:a16="http://schemas.microsoft.com/office/drawing/2014/main" id="{D8D4E62F-9393-40A6-9E85-9F3B59C4628C}"/>
-                </a:ext>
-                <a:ext uri="{C183D7F6-B498-43B3-948B-1728B52AA6E4}">
-                  <adec:decorative xmlns:adec="http://schemas.microsoft.com/office/drawing/2017/decorative" val="1"/>
-                </a:ext>
-              </a:extLst>
-            </p:cNvPr>
-            <p:cNvSpPr/>
-            <p:nvPr>
-              <p:extLst>
-                <p:ext uri="{386F3935-93C4-4BCD-93E2-E3B085C9AB24}">
-                  <p16:designElem xmlns:p16="http://schemas.microsoft.com/office/powerpoint/2015/main" val="1"/>
-                </p:ext>
-              </p:extLst>
-            </p:nvPr>
-          </p:nvSpPr>
-          <p:spPr bwMode="auto">
-            <a:xfrm>
-              <a:off x="1627188" y="5291138"/>
-              <a:ext cx="1495425" cy="1566863"/>
-            </a:xfrm>
-            <a:custGeom>
-              <a:avLst/>
-              <a:gdLst/>
-              <a:ahLst/>
-              <a:cxnLst/>
-              <a:rect l="0" t="0" r="r" b="b"/>
-              <a:pathLst>
-                <a:path w="942" h="987">
-                  <a:moveTo>
-                    <a:pt x="0" y="0"/>
-                  </a:moveTo>
-                  <a:lnTo>
-                    <a:pt x="909" y="987"/>
-                  </a:lnTo>
-                  <a:lnTo>
-                    <a:pt x="942" y="987"/>
-                  </a:lnTo>
-                  <a:lnTo>
-                    <a:pt x="0" y="0"/>
-                  </a:lnTo>
-                  <a:close/>
-                </a:path>
-              </a:pathLst>
-            </a:custGeom>
-            <a:solidFill>
-              <a:schemeClr val="accent1">
-                <a:lumMod val="50000"/>
-              </a:schemeClr>
-            </a:solidFill>
-            <a:ln>
-              <a:noFill/>
-            </a:ln>
-          </p:spPr>
-        </p:sp>
-        <p:sp>
-          <p:nvSpPr>
-            <p:cNvPr id="21" name="Freeform 10">
-              <a:extLst>
-                <a:ext uri="{FF2B5EF4-FFF2-40B4-BE49-F238E27FC236}">
-                  <a16:creationId xmlns:a16="http://schemas.microsoft.com/office/drawing/2014/main" id="{FABD11B1-DE89-45BC-8204-968C88AADC31}"/>
-                </a:ext>
-                <a:ext uri="{C183D7F6-B498-43B3-948B-1728B52AA6E4}">
-                  <adec:decorative xmlns:adec="http://schemas.microsoft.com/office/drawing/2017/decorative" val="1"/>
-                </a:ext>
-              </a:extLst>
-            </p:cNvPr>
-            <p:cNvSpPr/>
-            <p:nvPr>
-              <p:extLst>
-                <p:ext uri="{386F3935-93C4-4BCD-93E2-E3B085C9AB24}">
-                  <p16:designElem xmlns:p16="http://schemas.microsoft.com/office/powerpoint/2015/main" val="1"/>
-                </p:ext>
-              </p:extLst>
-            </p:nvPr>
-          </p:nvSpPr>
-          <p:spPr bwMode="auto">
-            <a:xfrm>
-              <a:off x="1627188" y="5286375"/>
-              <a:ext cx="2130425" cy="1571625"/>
-            </a:xfrm>
-            <a:custGeom>
-              <a:avLst/>
-              <a:gdLst/>
-              <a:ahLst/>
-              <a:cxnLst/>
-              <a:rect l="0" t="0" r="r" b="b"/>
-              <a:pathLst>
-                <a:path w="1342" h="990">
-                  <a:moveTo>
-                    <a:pt x="0" y="3"/>
-                  </a:moveTo>
-                  <a:lnTo>
-                    <a:pt x="942" y="990"/>
-                  </a:lnTo>
-                  <a:lnTo>
-                    <a:pt x="1342" y="990"/>
-                  </a:lnTo>
-                  <a:lnTo>
-                    <a:pt x="156" y="27"/>
-                  </a:lnTo>
-                  <a:lnTo>
-                    <a:pt x="0" y="0"/>
-                  </a:lnTo>
-                  <a:lnTo>
-                    <a:pt x="0" y="3"/>
-                  </a:lnTo>
-                  <a:close/>
-                </a:path>
-              </a:pathLst>
-            </a:custGeom>
-            <a:solidFill>
-              <a:schemeClr val="accent1">
-                <a:lumMod val="75000"/>
-              </a:schemeClr>
-            </a:solidFill>
-            <a:ln>
-              <a:noFill/>
-            </a:ln>
-          </p:spPr>
-        </p:sp>
-        <p:sp>
-          <p:nvSpPr>
-            <p:cNvPr id="22" name="Freeform 11">
-              <a:extLst>
-                <a:ext uri="{FF2B5EF4-FFF2-40B4-BE49-F238E27FC236}">
-                  <a16:creationId xmlns:a16="http://schemas.microsoft.com/office/drawing/2014/main" id="{AFA4965A-1FBC-44B8-B96A-3F5275C3AEF7}"/>
-                </a:ext>
-                <a:ext uri="{C183D7F6-B498-43B3-948B-1728B52AA6E4}">
-                  <adec:decorative xmlns:adec="http://schemas.microsoft.com/office/drawing/2017/decorative" val="1"/>
-                </a:ext>
-              </a:extLst>
-            </p:cNvPr>
-            <p:cNvSpPr/>
-            <p:nvPr>
-              <p:extLst>
-                <p:ext uri="{386F3935-93C4-4BCD-93E2-E3B085C9AB24}">
-                  <p16:designElem xmlns:p16="http://schemas.microsoft.com/office/powerpoint/2015/main" val="1"/>
-                </p:ext>
-              </p:extLst>
-            </p:nvPr>
-          </p:nvSpPr>
-          <p:spPr bwMode="auto">
-            <a:xfrm>
-              <a:off x="1320800" y="5238750"/>
-              <a:ext cx="1695450" cy="1619250"/>
-            </a:xfrm>
-            <a:custGeom>
-              <a:avLst/>
-              <a:gdLst/>
-              <a:ahLst/>
-              <a:cxnLst/>
-              <a:rect l="0" t="0" r="r" b="b"/>
-              <a:pathLst>
-                <a:path w="1068" h="1020">
-                  <a:moveTo>
-                    <a:pt x="1068" y="1020"/>
-                  </a:moveTo>
-                  <a:lnTo>
-                    <a:pt x="184" y="60"/>
-                  </a:lnTo>
-                  <a:lnTo>
-                    <a:pt x="154" y="27"/>
-                  </a:lnTo>
-                  <a:lnTo>
-                    <a:pt x="157" y="27"/>
-                  </a:lnTo>
-                  <a:lnTo>
-                    <a:pt x="157" y="24"/>
-                  </a:lnTo>
-                  <a:lnTo>
-                    <a:pt x="154" y="24"/>
-                  </a:lnTo>
-                  <a:lnTo>
-                    <a:pt x="0" y="0"/>
-                  </a:lnTo>
-                  <a:lnTo>
-                    <a:pt x="0" y="0"/>
-                  </a:lnTo>
-                  <a:lnTo>
-                    <a:pt x="774" y="1020"/>
-                  </a:lnTo>
-                  <a:lnTo>
-                    <a:pt x="1068" y="1020"/>
-                  </a:lnTo>
-                  <a:close/>
-                </a:path>
-              </a:pathLst>
-            </a:custGeom>
-            <a:solidFill>
-              <a:schemeClr val="tx1">
-                <a:lumMod val="75000"/>
-                <a:lumOff val="25000"/>
-              </a:schemeClr>
-            </a:solidFill>
-            <a:ln>
-              <a:noFill/>
-            </a:ln>
-          </p:spPr>
-        </p:sp>
-      </p:grpSp>
-      <p:sp>
-        <p:nvSpPr>
-          <p:cNvPr id="2" name="Title 1">
-            <a:extLst>
-              <a:ext uri="{FF2B5EF4-FFF2-40B4-BE49-F238E27FC236}">
-                <a16:creationId xmlns:a16="http://schemas.microsoft.com/office/drawing/2014/main" id="{F616F169-E42F-5EC9-E41B-0FB77A8A2449}"/>
-              </a:ext>
-            </a:extLst>
-          </p:cNvPr>
-          <p:cNvSpPr>
-            <a:spLocks noGrp="1"/>
-          </p:cNvSpPr>
-          <p:nvPr>
-            <p:ph type="title"/>
-          </p:nvPr>
-        </p:nvSpPr>
-        <p:spPr>
-          <a:xfrm>
-            <a:off x="3962399" y="685800"/>
-            <a:ext cx="7345891" cy="1413933"/>
-          </a:xfrm>
-        </p:spPr>
-        <p:txBody>
-          <a:bodyPr>
-            <a:normAutofit/>
-          </a:bodyPr>
-          <a:lstStyle/>
-          <a:p>
-            <a:r>
-              <a:rPr lang="en-GB" dirty="0"/>
-              <a:t>Done Differently</a:t>
-            </a:r>
-          </a:p>
-        </p:txBody>
-      </p:sp>
-      <p:pic>
-        <p:nvPicPr>
-          <p:cNvPr id="5" name="Picture 4" descr="A picture containing outdoor object, star, light, night&#10;&#10;Description automatically generated">
-            <a:extLst>
-              <a:ext uri="{FF2B5EF4-FFF2-40B4-BE49-F238E27FC236}">
-                <a16:creationId xmlns:a16="http://schemas.microsoft.com/office/drawing/2014/main" id="{1CD8ED52-4C51-85D2-F691-A4978F8C61A7}"/>
-              </a:ext>
-            </a:extLst>
-          </p:cNvPr>
-          <p:cNvPicPr>
-            <a:picLocks noChangeAspect="1"/>
-          </p:cNvPicPr>
-          <p:nvPr/>
-        </p:nvPicPr>
-        <p:blipFill rotWithShape="1">
-          <a:blip r:embed="rId3">
-            <a:extLst>
-              <a:ext uri="{28A0092B-C50C-407E-A947-70E740481C1C}">
-                <a14:useLocalDpi xmlns:a14="http://schemas.microsoft.com/office/drawing/2010/main" val="0"/>
-              </a:ext>
-            </a:extLst>
-          </a:blip>
-          <a:srcRect l="33136" r="33700"/>
-          <a:stretch/>
-        </p:blipFill>
-        <p:spPr>
-          <a:xfrm>
-            <a:off x="20" y="10"/>
-            <a:ext cx="3459143" cy="6857990"/>
-          </a:xfrm>
-          <a:custGeom>
-            <a:avLst/>
-            <a:gdLst/>
-            <a:ahLst/>
-            <a:cxnLst/>
-            <a:rect l="l" t="t" r="r" b="b"/>
-            <a:pathLst>
-              <a:path w="3458633" h="6858000">
-                <a:moveTo>
-                  <a:pt x="0" y="0"/>
-                </a:moveTo>
-                <a:lnTo>
-                  <a:pt x="3174999" y="0"/>
-                </a:lnTo>
-                <a:lnTo>
-                  <a:pt x="2294466" y="5223932"/>
-                </a:lnTo>
-                <a:lnTo>
-                  <a:pt x="3458633" y="6853767"/>
-                </a:lnTo>
-                <a:lnTo>
-                  <a:pt x="0" y="6858000"/>
-                </a:lnTo>
-                <a:lnTo>
-                  <a:pt x="0" y="0"/>
-                </a:lnTo>
-                <a:close/>
-              </a:path>
-            </a:pathLst>
-          </a:custGeom>
-          <a:ln w="38100">
-            <a:noFill/>
-          </a:ln>
-          <a:effectLst/>
-        </p:spPr>
-      </p:pic>
-      <p:sp>
-        <p:nvSpPr>
-          <p:cNvPr id="3" name="Content Placeholder 2">
-            <a:extLst>
-              <a:ext uri="{FF2B5EF4-FFF2-40B4-BE49-F238E27FC236}">
-                <a16:creationId xmlns:a16="http://schemas.microsoft.com/office/drawing/2014/main" id="{0683C8E6-D979-616E-1F9D-635D7463FE92}"/>
-              </a:ext>
-            </a:extLst>
-          </p:cNvPr>
-          <p:cNvSpPr>
-            <a:spLocks noGrp="1"/>
-          </p:cNvSpPr>
-          <p:nvPr>
-            <p:ph idx="1"/>
-          </p:nvPr>
-        </p:nvSpPr>
-        <p:spPr>
-          <a:xfrm>
-            <a:off x="3843867" y="2048933"/>
-            <a:ext cx="7659156" cy="3742267"/>
-          </a:xfrm>
-        </p:spPr>
-        <p:txBody>
-          <a:bodyPr>
-            <a:normAutofit/>
-          </a:bodyPr>
-          <a:lstStyle/>
-          <a:p>
-            <a:r>
-              <a:rPr lang="en-GB" dirty="0"/>
-              <a:t>Input Validation </a:t>
-            </a:r>
-          </a:p>
-        </p:txBody>
-      </p:sp>
-    </p:spTree>
-    <p:extLst>
-      <p:ext uri="{BB962C8B-B14F-4D97-AF65-F5344CB8AC3E}">
-        <p14:creationId xmlns:p14="http://schemas.microsoft.com/office/powerpoint/2010/main" val="2846053870"/>
-      </p:ext>
-    </p:extLst>
-  </p:cSld>
-  <p:clrMapOvr>
-    <a:masterClrMapping/>
-  </p:clrMapOvr>
-</p:sld>
-</file>
-
-<file path=ppt/slides/slide16.xml><?xml version="1.0" encoding="utf-8"?>
-<p:sld xmlns:a="http://schemas.openxmlformats.org/drawingml/2006/main" xmlns:r="http://schemas.openxmlformats.org/officeDocument/2006/relationships" xmlns:p="http://schemas.openxmlformats.org/presentationml/2006/main">
-  <p:cSld>
-    <p:bg>
-      <p:bgPr>
-        <a:blipFill rotWithShape="1">
-          <a:blip r:embed="rId2">
-            <a:duotone>
-              <a:schemeClr val="bg2">
-                <a:shade val="76000"/>
-                <a:satMod val="180000"/>
-              </a:schemeClr>
-              <a:schemeClr val="bg2">
-                <a:tint val="80000"/>
-                <a:satMod val="120000"/>
-                <a:lumMod val="180000"/>
-              </a:schemeClr>
-            </a:duotone>
-          </a:blip>
-          <a:stretch/>
-        </a:blipFill>
-        <a:effectLst/>
-      </p:bgPr>
-    </p:bg>
-    <p:spTree>
-      <p:nvGrpSpPr>
-        <p:cNvPr id="1" name=""/>
-        <p:cNvGrpSpPr/>
-        <p:nvPr/>
-      </p:nvGrpSpPr>
-      <p:grpSpPr>
-        <a:xfrm>
-          <a:off x="0" y="0"/>
-          <a:ext cx="0" cy="0"/>
-          <a:chOff x="0" y="0"/>
-          <a:chExt cx="0" cy="0"/>
-        </a:xfrm>
-      </p:grpSpPr>
-      <p:grpSp>
-        <p:nvGrpSpPr>
-          <p:cNvPr id="10" name="Group 9">
-            <a:extLst>
-              <a:ext uri="{FF2B5EF4-FFF2-40B4-BE49-F238E27FC236}">
-                <a16:creationId xmlns:a16="http://schemas.microsoft.com/office/drawing/2014/main" id="{08F94D66-27EC-4CB8-8226-D7F41C161863}"/>
-              </a:ext>
-              <a:ext uri="{C183D7F6-B498-43B3-948B-1728B52AA6E4}">
-                <adec:decorative xmlns:adec="http://schemas.microsoft.com/office/drawing/2017/decorative" val="1"/>
-              </a:ext>
-            </a:extLst>
-          </p:cNvPr>
-          <p:cNvGrpSpPr>
-            <a:grpSpLocks noGrp="1" noUngrp="1" noRot="1" noChangeAspect="1" noMove="1" noResize="1"/>
-          </p:cNvGrpSpPr>
-          <p:nvPr>
-            <p:extLst>
-              <p:ext uri="{386F3935-93C4-4BCD-93E2-E3B085C9AB24}">
-                <p16:designElem xmlns:p16="http://schemas.microsoft.com/office/powerpoint/2015/main" val="1"/>
-              </p:ext>
-            </p:extLst>
-          </p:nvPr>
-        </p:nvGrpSpPr>
-        <p:grpSpPr>
-          <a:xfrm>
-            <a:off x="546100" y="-4763"/>
-            <a:ext cx="5014912" cy="6862763"/>
-            <a:chOff x="2928938" y="-4763"/>
-            <a:chExt cx="5014912" cy="6862763"/>
-          </a:xfrm>
-        </p:grpSpPr>
-        <p:sp>
-          <p:nvSpPr>
-            <p:cNvPr id="11" name="Freeform 6">
-              <a:extLst>
-                <a:ext uri="{FF2B5EF4-FFF2-40B4-BE49-F238E27FC236}">
-                  <a16:creationId xmlns:a16="http://schemas.microsoft.com/office/drawing/2014/main" id="{1A53964C-7D93-4C48-A4A6-C4C2C393C59D}"/>
-                </a:ext>
-                <a:ext uri="{C183D7F6-B498-43B3-948B-1728B52AA6E4}">
-                  <adec:decorative xmlns:adec="http://schemas.microsoft.com/office/drawing/2017/decorative" val="1"/>
-                </a:ext>
-              </a:extLst>
-            </p:cNvPr>
-            <p:cNvSpPr/>
-            <p:nvPr>
-              <p:extLst>
-                <p:ext uri="{386F3935-93C4-4BCD-93E2-E3B085C9AB24}">
-                  <p16:designElem xmlns:p16="http://schemas.microsoft.com/office/powerpoint/2015/main" val="1"/>
-                </p:ext>
-              </p:extLst>
-            </p:nvPr>
-          </p:nvSpPr>
-          <p:spPr bwMode="auto">
-            <a:xfrm>
-              <a:off x="3367088" y="-4763"/>
-              <a:ext cx="1063625" cy="2782888"/>
-            </a:xfrm>
-            <a:custGeom>
-              <a:avLst/>
-              <a:gdLst/>
-              <a:ahLst/>
-              <a:cxnLst/>
-              <a:rect l="0" t="0" r="r" b="b"/>
-              <a:pathLst>
-                <a:path w="670" h="1753">
-                  <a:moveTo>
-                    <a:pt x="0" y="1696"/>
-                  </a:moveTo>
-                  <a:lnTo>
-                    <a:pt x="225" y="1753"/>
-                  </a:lnTo>
-                  <a:lnTo>
-                    <a:pt x="670" y="0"/>
-                  </a:lnTo>
-                  <a:lnTo>
-                    <a:pt x="430" y="0"/>
-                  </a:lnTo>
-                  <a:lnTo>
-                    <a:pt x="0" y="1696"/>
-                  </a:lnTo>
-                  <a:close/>
-                </a:path>
-              </a:pathLst>
-            </a:custGeom>
-            <a:solidFill>
-              <a:schemeClr val="accent1"/>
-            </a:solidFill>
-            <a:ln>
-              <a:noFill/>
-            </a:ln>
-          </p:spPr>
-        </p:sp>
-        <p:sp>
-          <p:nvSpPr>
-            <p:cNvPr id="12" name="Freeform 7">
-              <a:extLst>
-                <a:ext uri="{FF2B5EF4-FFF2-40B4-BE49-F238E27FC236}">
-                  <a16:creationId xmlns:a16="http://schemas.microsoft.com/office/drawing/2014/main" id="{9C944EEC-539E-4389-8785-58E65D04E8DC}"/>
-                </a:ext>
-                <a:ext uri="{C183D7F6-B498-43B3-948B-1728B52AA6E4}">
-                  <adec:decorative xmlns:adec="http://schemas.microsoft.com/office/drawing/2017/decorative" val="1"/>
-                </a:ext>
-              </a:extLst>
-            </p:cNvPr>
-            <p:cNvSpPr/>
-            <p:nvPr>
-              <p:extLst>
-                <p:ext uri="{386F3935-93C4-4BCD-93E2-E3B085C9AB24}">
-                  <p16:designElem xmlns:p16="http://schemas.microsoft.com/office/powerpoint/2015/main" val="1"/>
-                </p:ext>
-              </p:extLst>
-            </p:nvPr>
-          </p:nvSpPr>
-          <p:spPr bwMode="auto">
-            <a:xfrm>
-              <a:off x="2928938" y="-4763"/>
-              <a:ext cx="1035050" cy="2673350"/>
-            </a:xfrm>
-            <a:custGeom>
-              <a:avLst/>
-              <a:gdLst/>
-              <a:ahLst/>
-              <a:cxnLst/>
-              <a:rect l="0" t="0" r="r" b="b"/>
-              <a:pathLst>
-                <a:path w="652" h="1684">
-                  <a:moveTo>
-                    <a:pt x="225" y="1684"/>
-                  </a:moveTo>
-                  <a:lnTo>
-                    <a:pt x="652" y="0"/>
-                  </a:lnTo>
-                  <a:lnTo>
-                    <a:pt x="411" y="0"/>
-                  </a:lnTo>
-                  <a:lnTo>
-                    <a:pt x="0" y="1627"/>
-                  </a:lnTo>
-                  <a:lnTo>
-                    <a:pt x="219" y="1681"/>
-                  </a:lnTo>
-                  <a:lnTo>
-                    <a:pt x="225" y="1684"/>
-                  </a:lnTo>
-                  <a:close/>
-                </a:path>
-              </a:pathLst>
-            </a:custGeom>
-            <a:solidFill>
-              <a:schemeClr val="tx1">
-                <a:lumMod val="65000"/>
-                <a:lumOff val="35000"/>
-              </a:schemeClr>
-            </a:solidFill>
-            <a:ln>
-              <a:noFill/>
-            </a:ln>
-          </p:spPr>
-        </p:sp>
-        <p:sp>
-          <p:nvSpPr>
-            <p:cNvPr id="13" name="Freeform 9">
-              <a:extLst>
-                <a:ext uri="{FF2B5EF4-FFF2-40B4-BE49-F238E27FC236}">
-                  <a16:creationId xmlns:a16="http://schemas.microsoft.com/office/drawing/2014/main" id="{7836EB7E-895C-4D68-B92E-312B371CBDBF}"/>
-                </a:ext>
-                <a:ext uri="{C183D7F6-B498-43B3-948B-1728B52AA6E4}">
-                  <adec:decorative xmlns:adec="http://schemas.microsoft.com/office/drawing/2017/decorative" val="1"/>
-                </a:ext>
-              </a:extLst>
-            </p:cNvPr>
-            <p:cNvSpPr/>
-            <p:nvPr>
-              <p:extLst>
-                <p:ext uri="{386F3935-93C4-4BCD-93E2-E3B085C9AB24}">
-                  <p16:designElem xmlns:p16="http://schemas.microsoft.com/office/powerpoint/2015/main" val="1"/>
-                </p:ext>
-              </p:extLst>
-            </p:nvPr>
-          </p:nvSpPr>
-          <p:spPr bwMode="auto">
-            <a:xfrm>
-              <a:off x="2928938" y="2582862"/>
-              <a:ext cx="2693987" cy="4275138"/>
-            </a:xfrm>
-            <a:custGeom>
-              <a:avLst/>
-              <a:gdLst/>
-              <a:ahLst/>
-              <a:cxnLst/>
-              <a:rect l="0" t="0" r="r" b="b"/>
-              <a:pathLst>
-                <a:path w="1697" h="2693">
-                  <a:moveTo>
-                    <a:pt x="0" y="0"/>
-                  </a:moveTo>
-                  <a:lnTo>
-                    <a:pt x="1622" y="2693"/>
-                  </a:lnTo>
-                  <a:lnTo>
-                    <a:pt x="1697" y="2693"/>
-                  </a:lnTo>
-                  <a:lnTo>
-                    <a:pt x="0" y="0"/>
-                  </a:lnTo>
-                  <a:close/>
-                </a:path>
-              </a:pathLst>
-            </a:custGeom>
-            <a:solidFill>
-              <a:schemeClr val="tx1">
-                <a:lumMod val="85000"/>
-                <a:lumOff val="15000"/>
-              </a:schemeClr>
-            </a:solidFill>
-            <a:ln>
-              <a:noFill/>
-            </a:ln>
-          </p:spPr>
-        </p:sp>
-        <p:sp>
-          <p:nvSpPr>
-            <p:cNvPr id="14" name="Freeform 10">
-              <a:extLst>
-                <a:ext uri="{FF2B5EF4-FFF2-40B4-BE49-F238E27FC236}">
-                  <a16:creationId xmlns:a16="http://schemas.microsoft.com/office/drawing/2014/main" id="{0F29242B-8CE7-4636-B326-4BEE42EB6D6F}"/>
-                </a:ext>
-                <a:ext uri="{C183D7F6-B498-43B3-948B-1728B52AA6E4}">
-                  <adec:decorative xmlns:adec="http://schemas.microsoft.com/office/drawing/2017/decorative" val="1"/>
-                </a:ext>
-              </a:extLst>
-            </p:cNvPr>
-            <p:cNvSpPr/>
-            <p:nvPr>
-              <p:extLst>
-                <p:ext uri="{386F3935-93C4-4BCD-93E2-E3B085C9AB24}">
-                  <p16:designElem xmlns:p16="http://schemas.microsoft.com/office/powerpoint/2015/main" val="1"/>
-                </p:ext>
-              </p:extLst>
-            </p:nvPr>
-          </p:nvSpPr>
-          <p:spPr bwMode="auto">
-            <a:xfrm>
-              <a:off x="3371850" y="2692400"/>
-              <a:ext cx="3332162" cy="4165600"/>
-            </a:xfrm>
-            <a:custGeom>
-              <a:avLst/>
-              <a:gdLst/>
-              <a:ahLst/>
-              <a:cxnLst/>
-              <a:rect l="0" t="0" r="r" b="b"/>
-              <a:pathLst>
-                <a:path w="2099" h="2624">
-                  <a:moveTo>
-                    <a:pt x="2099" y="2624"/>
-                  </a:moveTo>
-                  <a:lnTo>
-                    <a:pt x="0" y="0"/>
-                  </a:lnTo>
-                  <a:lnTo>
-                    <a:pt x="2021" y="2624"/>
-                  </a:lnTo>
-                  <a:lnTo>
-                    <a:pt x="2099" y="2624"/>
-                  </a:lnTo>
-                  <a:close/>
-                </a:path>
-              </a:pathLst>
-            </a:custGeom>
-            <a:solidFill>
-              <a:schemeClr val="accent1">
-                <a:lumMod val="50000"/>
-              </a:schemeClr>
-            </a:solidFill>
-            <a:ln>
-              <a:noFill/>
-            </a:ln>
-          </p:spPr>
-        </p:sp>
-        <p:sp>
-          <p:nvSpPr>
-            <p:cNvPr id="15" name="Freeform 11">
-              <a:extLst>
-                <a:ext uri="{FF2B5EF4-FFF2-40B4-BE49-F238E27FC236}">
-                  <a16:creationId xmlns:a16="http://schemas.microsoft.com/office/drawing/2014/main" id="{4D0B8E9A-7727-4AD9-974E-8815F0B20EB4}"/>
-                </a:ext>
-                <a:ext uri="{C183D7F6-B498-43B3-948B-1728B52AA6E4}">
-                  <adec:decorative xmlns:adec="http://schemas.microsoft.com/office/drawing/2017/decorative" val="1"/>
-                </a:ext>
-              </a:extLst>
-            </p:cNvPr>
-            <p:cNvSpPr/>
-            <p:nvPr>
-              <p:extLst>
-                <p:ext uri="{386F3935-93C4-4BCD-93E2-E3B085C9AB24}">
-                  <p16:designElem xmlns:p16="http://schemas.microsoft.com/office/powerpoint/2015/main" val="1"/>
-                </p:ext>
-              </p:extLst>
-            </p:nvPr>
-          </p:nvSpPr>
-          <p:spPr bwMode="auto">
-            <a:xfrm>
-              <a:off x="3367088" y="2687637"/>
-              <a:ext cx="4576762" cy="4170363"/>
-            </a:xfrm>
-            <a:custGeom>
-              <a:avLst/>
-              <a:gdLst/>
-              <a:ahLst/>
-              <a:cxnLst/>
-              <a:rect l="0" t="0" r="r" b="b"/>
-              <a:pathLst>
-                <a:path w="2883" h="2627">
-                  <a:moveTo>
-                    <a:pt x="0" y="0"/>
-                  </a:moveTo>
-                  <a:lnTo>
-                    <a:pt x="3" y="3"/>
-                  </a:lnTo>
-                  <a:lnTo>
-                    <a:pt x="2102" y="2627"/>
-                  </a:lnTo>
-                  <a:lnTo>
-                    <a:pt x="2883" y="2627"/>
-                  </a:lnTo>
-                  <a:lnTo>
-                    <a:pt x="225" y="57"/>
-                  </a:lnTo>
-                  <a:lnTo>
-                    <a:pt x="0" y="0"/>
-                  </a:lnTo>
-                  <a:close/>
-                </a:path>
-              </a:pathLst>
-            </a:custGeom>
-            <a:solidFill>
-              <a:schemeClr val="accent1">
-                <a:lumMod val="75000"/>
-              </a:schemeClr>
-            </a:solidFill>
-            <a:ln>
-              <a:noFill/>
-            </a:ln>
-          </p:spPr>
-        </p:sp>
-        <p:sp>
-          <p:nvSpPr>
-            <p:cNvPr id="16" name="Freeform 12">
-              <a:extLst>
-                <a:ext uri="{FF2B5EF4-FFF2-40B4-BE49-F238E27FC236}">
-                  <a16:creationId xmlns:a16="http://schemas.microsoft.com/office/drawing/2014/main" id="{1CD6C65C-71BE-4549-926A-1C1135FD06DF}"/>
-                </a:ext>
-                <a:ext uri="{C183D7F6-B498-43B3-948B-1728B52AA6E4}">
-                  <adec:decorative xmlns:adec="http://schemas.microsoft.com/office/drawing/2017/decorative" val="1"/>
-                </a:ext>
-              </a:extLst>
-            </p:cNvPr>
-            <p:cNvSpPr/>
-            <p:nvPr>
-              <p:extLst>
-                <p:ext uri="{386F3935-93C4-4BCD-93E2-E3B085C9AB24}">
-                  <p16:designElem xmlns:p16="http://schemas.microsoft.com/office/powerpoint/2015/main" val="1"/>
-                </p:ext>
-              </p:extLst>
-            </p:nvPr>
-          </p:nvSpPr>
-          <p:spPr bwMode="auto">
-            <a:xfrm>
-              <a:off x="2928938" y="2578100"/>
-              <a:ext cx="3584575" cy="4279900"/>
-            </a:xfrm>
-            <a:custGeom>
-              <a:avLst/>
-              <a:gdLst/>
-              <a:ahLst/>
-              <a:cxnLst/>
-              <a:rect l="0" t="0" r="r" b="b"/>
-              <a:pathLst>
-                <a:path w="2258" h="2696">
-                  <a:moveTo>
-                    <a:pt x="2258" y="2696"/>
-                  </a:moveTo>
-                  <a:lnTo>
-                    <a:pt x="264" y="111"/>
-                  </a:lnTo>
-                  <a:lnTo>
-                    <a:pt x="228" y="60"/>
-                  </a:lnTo>
-                  <a:lnTo>
-                    <a:pt x="225" y="57"/>
-                  </a:lnTo>
-                  <a:lnTo>
-                    <a:pt x="0" y="0"/>
-                  </a:lnTo>
-                  <a:lnTo>
-                    <a:pt x="0" y="3"/>
-                  </a:lnTo>
-                  <a:lnTo>
-                    <a:pt x="1697" y="2696"/>
-                  </a:lnTo>
-                  <a:lnTo>
-                    <a:pt x="2258" y="2696"/>
-                  </a:lnTo>
-                  <a:close/>
-                </a:path>
-              </a:pathLst>
-            </a:custGeom>
-            <a:solidFill>
-              <a:schemeClr val="tx1">
-                <a:lumMod val="75000"/>
-                <a:lumOff val="25000"/>
-              </a:schemeClr>
-            </a:solidFill>
-            <a:ln>
-              <a:noFill/>
-            </a:ln>
-          </p:spPr>
-        </p:sp>
-      </p:grpSp>
-      <p:sp useBgFill="1">
-        <p:nvSpPr>
-          <p:cNvPr id="18" name="Rectangle 17">
-            <a:extLst>
-              <a:ext uri="{FF2B5EF4-FFF2-40B4-BE49-F238E27FC236}">
-                <a16:creationId xmlns:a16="http://schemas.microsoft.com/office/drawing/2014/main" id="{E58348C3-6249-4952-AA86-C63DB35EA9F2}"/>
-              </a:ext>
-              <a:ext uri="{C183D7F6-B498-43B3-948B-1728B52AA6E4}">
-                <adec:decorative xmlns:adec="http://schemas.microsoft.com/office/drawing/2017/decorative" val="1"/>
-              </a:ext>
-            </a:extLst>
-          </p:cNvPr>
-          <p:cNvSpPr>
-            <a:spLocks noGrp="1" noRot="1" noChangeAspect="1" noMove="1" noResize="1" noEditPoints="1" noAdjustHandles="1" noChangeArrowheads="1" noChangeShapeType="1" noTextEdit="1"/>
-          </p:cNvSpPr>
-          <p:nvPr>
-            <p:extLst>
-              <p:ext uri="{386F3935-93C4-4BCD-93E2-E3B085C9AB24}">
-                <p16:designElem xmlns:p16="http://schemas.microsoft.com/office/powerpoint/2015/main" val="1"/>
-              </p:ext>
-            </p:extLst>
-          </p:nvPr>
-        </p:nvSpPr>
-        <p:spPr>
-          <a:xfrm>
-            <a:off x="0" y="0"/>
-            <a:ext cx="12192000" cy="6858000"/>
-          </a:xfrm>
-          <a:prstGeom prst="rect">
-            <a:avLst/>
-          </a:prstGeom>
-          <a:ln>
-            <a:noFill/>
-          </a:ln>
-        </p:spPr>
-        <p:style>
-          <a:lnRef idx="2">
-            <a:schemeClr val="accent1">
-              <a:shade val="50000"/>
-            </a:schemeClr>
-          </a:lnRef>
-          <a:fillRef idx="1">
-            <a:schemeClr val="accent1"/>
-          </a:fillRef>
-          <a:effectRef idx="0">
-            <a:schemeClr val="accent1"/>
-          </a:effectRef>
-          <a:fontRef idx="minor">
-            <a:schemeClr val="lt1"/>
-          </a:fontRef>
-        </p:style>
-        <p:txBody>
-          <a:bodyPr rtlCol="0" anchor="ctr"/>
-          <a:lstStyle/>
-          <a:p>
-            <a:pPr algn="ctr"/>
-            <a:endParaRPr lang="en-US"/>
-          </a:p>
-        </p:txBody>
-      </p:sp>
-      <p:grpSp>
-        <p:nvGrpSpPr>
-          <p:cNvPr id="20" name="Group 19">
-            <a:extLst>
-              <a:ext uri="{FF2B5EF4-FFF2-40B4-BE49-F238E27FC236}">
-                <a16:creationId xmlns:a16="http://schemas.microsoft.com/office/drawing/2014/main" id="{DE6174AD-DBB0-43E6-98C2-738DB3A15244}"/>
-              </a:ext>
-              <a:ext uri="{C183D7F6-B498-43B3-948B-1728B52AA6E4}">
-                <adec:decorative xmlns:adec="http://schemas.microsoft.com/office/drawing/2017/decorative" val="1"/>
-              </a:ext>
-            </a:extLst>
-          </p:cNvPr>
-          <p:cNvGrpSpPr>
-            <a:grpSpLocks noGrp="1" noUngrp="1" noRot="1" noChangeAspect="1" noMove="1" noResize="1"/>
-          </p:cNvGrpSpPr>
-          <p:nvPr>
-            <p:extLst>
-              <p:ext uri="{386F3935-93C4-4BCD-93E2-E3B085C9AB24}">
-                <p16:designElem xmlns:p16="http://schemas.microsoft.com/office/powerpoint/2015/main" val="1"/>
-              </p:ext>
-            </p:extLst>
-          </p:nvPr>
-        </p:nvGrpSpPr>
-        <p:grpSpPr>
-          <a:xfrm>
-            <a:off x="2959100" y="-4763"/>
-            <a:ext cx="5014912" cy="6862763"/>
-            <a:chOff x="2928938" y="-4763"/>
-            <a:chExt cx="5014912" cy="6862763"/>
-          </a:xfrm>
-        </p:grpSpPr>
-        <p:sp>
-          <p:nvSpPr>
-            <p:cNvPr id="21" name="Freeform 6">
-              <a:extLst>
-                <a:ext uri="{FF2B5EF4-FFF2-40B4-BE49-F238E27FC236}">
-                  <a16:creationId xmlns:a16="http://schemas.microsoft.com/office/drawing/2014/main" id="{50A59800-3661-4778-9D8A-F816C85C41D1}"/>
-                </a:ext>
-                <a:ext uri="{C183D7F6-B498-43B3-948B-1728B52AA6E4}">
-                  <adec:decorative xmlns:adec="http://schemas.microsoft.com/office/drawing/2017/decorative" val="1"/>
-                </a:ext>
-              </a:extLst>
-            </p:cNvPr>
-            <p:cNvSpPr/>
-            <p:nvPr>
-              <p:extLst>
-                <p:ext uri="{386F3935-93C4-4BCD-93E2-E3B085C9AB24}">
-                  <p16:designElem xmlns:p16="http://schemas.microsoft.com/office/powerpoint/2015/main" val="1"/>
-                </p:ext>
-              </p:extLst>
-            </p:nvPr>
-          </p:nvSpPr>
-          <p:spPr bwMode="auto">
-            <a:xfrm>
-              <a:off x="3367088" y="-4763"/>
-              <a:ext cx="1063625" cy="2782888"/>
-            </a:xfrm>
-            <a:custGeom>
-              <a:avLst/>
-              <a:gdLst/>
-              <a:ahLst/>
-              <a:cxnLst/>
-              <a:rect l="0" t="0" r="r" b="b"/>
-              <a:pathLst>
-                <a:path w="670" h="1753">
-                  <a:moveTo>
-                    <a:pt x="0" y="1696"/>
-                  </a:moveTo>
-                  <a:lnTo>
-                    <a:pt x="225" y="1753"/>
-                  </a:lnTo>
-                  <a:lnTo>
-                    <a:pt x="670" y="0"/>
-                  </a:lnTo>
-                  <a:lnTo>
-                    <a:pt x="430" y="0"/>
-                  </a:lnTo>
-                  <a:lnTo>
-                    <a:pt x="0" y="1696"/>
-                  </a:lnTo>
-                  <a:close/>
-                </a:path>
-              </a:pathLst>
-            </a:custGeom>
-            <a:solidFill>
-              <a:schemeClr val="accent1"/>
-            </a:solidFill>
-            <a:ln>
-              <a:noFill/>
-            </a:ln>
-          </p:spPr>
-        </p:sp>
-        <p:sp>
-          <p:nvSpPr>
-            <p:cNvPr id="22" name="Freeform 7">
-              <a:extLst>
-                <a:ext uri="{FF2B5EF4-FFF2-40B4-BE49-F238E27FC236}">
-                  <a16:creationId xmlns:a16="http://schemas.microsoft.com/office/drawing/2014/main" id="{7A810977-C816-4698-B7E7-0E6BDED794A1}"/>
-                </a:ext>
-                <a:ext uri="{C183D7F6-B498-43B3-948B-1728B52AA6E4}">
-                  <adec:decorative xmlns:adec="http://schemas.microsoft.com/office/drawing/2017/decorative" val="1"/>
-                </a:ext>
-              </a:extLst>
-            </p:cNvPr>
-            <p:cNvSpPr/>
-            <p:nvPr>
-              <p:extLst>
-                <p:ext uri="{386F3935-93C4-4BCD-93E2-E3B085C9AB24}">
-                  <p16:designElem xmlns:p16="http://schemas.microsoft.com/office/powerpoint/2015/main" val="1"/>
-                </p:ext>
-              </p:extLst>
-            </p:nvPr>
-          </p:nvSpPr>
-          <p:spPr bwMode="auto">
-            <a:xfrm>
-              <a:off x="2928938" y="-4763"/>
-              <a:ext cx="1035050" cy="2673350"/>
-            </a:xfrm>
-            <a:custGeom>
-              <a:avLst/>
-              <a:gdLst/>
-              <a:ahLst/>
-              <a:cxnLst/>
-              <a:rect l="0" t="0" r="r" b="b"/>
-              <a:pathLst>
-                <a:path w="652" h="1684">
-                  <a:moveTo>
-                    <a:pt x="225" y="1684"/>
-                  </a:moveTo>
-                  <a:lnTo>
-                    <a:pt x="652" y="0"/>
-                  </a:lnTo>
-                  <a:lnTo>
-                    <a:pt x="411" y="0"/>
-                  </a:lnTo>
-                  <a:lnTo>
-                    <a:pt x="0" y="1627"/>
-                  </a:lnTo>
-                  <a:lnTo>
-                    <a:pt x="219" y="1681"/>
-                  </a:lnTo>
-                  <a:lnTo>
-                    <a:pt x="225" y="1684"/>
-                  </a:lnTo>
-                  <a:close/>
-                </a:path>
-              </a:pathLst>
-            </a:custGeom>
-            <a:solidFill>
-              <a:schemeClr val="tx1">
-                <a:lumMod val="65000"/>
-                <a:lumOff val="35000"/>
-              </a:schemeClr>
-            </a:solidFill>
-            <a:ln>
-              <a:noFill/>
-            </a:ln>
-          </p:spPr>
-        </p:sp>
-        <p:sp>
-          <p:nvSpPr>
-            <p:cNvPr id="23" name="Freeform 9">
-              <a:extLst>
-                <a:ext uri="{FF2B5EF4-FFF2-40B4-BE49-F238E27FC236}">
-                  <a16:creationId xmlns:a16="http://schemas.microsoft.com/office/drawing/2014/main" id="{181E4B1B-2437-4A14-8927-817FC7AED67F}"/>
-                </a:ext>
-                <a:ext uri="{C183D7F6-B498-43B3-948B-1728B52AA6E4}">
-                  <adec:decorative xmlns:adec="http://schemas.microsoft.com/office/drawing/2017/decorative" val="1"/>
-                </a:ext>
-              </a:extLst>
-            </p:cNvPr>
-            <p:cNvSpPr/>
-            <p:nvPr>
-              <p:extLst>
-                <p:ext uri="{386F3935-93C4-4BCD-93E2-E3B085C9AB24}">
-                  <p16:designElem xmlns:p16="http://schemas.microsoft.com/office/powerpoint/2015/main" val="1"/>
-                </p:ext>
-              </p:extLst>
-            </p:nvPr>
-          </p:nvSpPr>
-          <p:spPr bwMode="auto">
-            <a:xfrm>
-              <a:off x="2928938" y="2582862"/>
-              <a:ext cx="2693987" cy="4275138"/>
-            </a:xfrm>
-            <a:custGeom>
-              <a:avLst/>
-              <a:gdLst/>
-              <a:ahLst/>
-              <a:cxnLst/>
-              <a:rect l="0" t="0" r="r" b="b"/>
-              <a:pathLst>
-                <a:path w="1697" h="2693">
-                  <a:moveTo>
-                    <a:pt x="0" y="0"/>
-                  </a:moveTo>
-                  <a:lnTo>
-                    <a:pt x="1622" y="2693"/>
-                  </a:lnTo>
-                  <a:lnTo>
-                    <a:pt x="1697" y="2693"/>
-                  </a:lnTo>
-                  <a:lnTo>
-                    <a:pt x="0" y="0"/>
-                  </a:lnTo>
-                  <a:close/>
-                </a:path>
-              </a:pathLst>
-            </a:custGeom>
-            <a:solidFill>
-              <a:schemeClr val="tx1">
-                <a:lumMod val="85000"/>
-                <a:lumOff val="15000"/>
-              </a:schemeClr>
-            </a:solidFill>
-            <a:ln>
-              <a:noFill/>
-            </a:ln>
-          </p:spPr>
-        </p:sp>
-        <p:sp>
-          <p:nvSpPr>
-            <p:cNvPr id="24" name="Freeform 10">
-              <a:extLst>
-                <a:ext uri="{FF2B5EF4-FFF2-40B4-BE49-F238E27FC236}">
-                  <a16:creationId xmlns:a16="http://schemas.microsoft.com/office/drawing/2014/main" id="{3F98AD26-9FF7-44EA-B876-9C857F8ED970}"/>
-                </a:ext>
-                <a:ext uri="{C183D7F6-B498-43B3-948B-1728B52AA6E4}">
-                  <adec:decorative xmlns:adec="http://schemas.microsoft.com/office/drawing/2017/decorative" val="1"/>
-                </a:ext>
-              </a:extLst>
-            </p:cNvPr>
-            <p:cNvSpPr/>
-            <p:nvPr>
-              <p:extLst>
-                <p:ext uri="{386F3935-93C4-4BCD-93E2-E3B085C9AB24}">
-                  <p16:designElem xmlns:p16="http://schemas.microsoft.com/office/powerpoint/2015/main" val="1"/>
-                </p:ext>
-              </p:extLst>
-            </p:nvPr>
-          </p:nvSpPr>
-          <p:spPr bwMode="auto">
-            <a:xfrm>
-              <a:off x="3371850" y="2692400"/>
-              <a:ext cx="3332162" cy="4165600"/>
-            </a:xfrm>
-            <a:custGeom>
-              <a:avLst/>
-              <a:gdLst/>
-              <a:ahLst/>
-              <a:cxnLst/>
-              <a:rect l="0" t="0" r="r" b="b"/>
-              <a:pathLst>
-                <a:path w="2099" h="2624">
-                  <a:moveTo>
-                    <a:pt x="2099" y="2624"/>
-                  </a:moveTo>
-                  <a:lnTo>
-                    <a:pt x="0" y="0"/>
-                  </a:lnTo>
-                  <a:lnTo>
-                    <a:pt x="2021" y="2624"/>
-                  </a:lnTo>
-                  <a:lnTo>
-                    <a:pt x="2099" y="2624"/>
-                  </a:lnTo>
-                  <a:close/>
-                </a:path>
-              </a:pathLst>
-            </a:custGeom>
-            <a:solidFill>
-              <a:schemeClr val="accent1">
-                <a:lumMod val="50000"/>
-              </a:schemeClr>
-            </a:solidFill>
-            <a:ln>
-              <a:noFill/>
-            </a:ln>
-          </p:spPr>
-        </p:sp>
-        <p:sp>
-          <p:nvSpPr>
-            <p:cNvPr id="25" name="Freeform 11">
-              <a:extLst>
-                <a:ext uri="{FF2B5EF4-FFF2-40B4-BE49-F238E27FC236}">
-                  <a16:creationId xmlns:a16="http://schemas.microsoft.com/office/drawing/2014/main" id="{32EBB12A-A9CE-446F-9462-15DAC0D0FA52}"/>
-                </a:ext>
-                <a:ext uri="{C183D7F6-B498-43B3-948B-1728B52AA6E4}">
-                  <adec:decorative xmlns:adec="http://schemas.microsoft.com/office/drawing/2017/decorative" val="1"/>
-                </a:ext>
-              </a:extLst>
-            </p:cNvPr>
-            <p:cNvSpPr/>
-            <p:nvPr>
-              <p:extLst>
-                <p:ext uri="{386F3935-93C4-4BCD-93E2-E3B085C9AB24}">
-                  <p16:designElem xmlns:p16="http://schemas.microsoft.com/office/powerpoint/2015/main" val="1"/>
-                </p:ext>
-              </p:extLst>
-            </p:nvPr>
-          </p:nvSpPr>
-          <p:spPr bwMode="auto">
-            <a:xfrm>
-              <a:off x="3367088" y="2687637"/>
-              <a:ext cx="4576762" cy="4170363"/>
-            </a:xfrm>
-            <a:custGeom>
-              <a:avLst/>
-              <a:gdLst/>
-              <a:ahLst/>
-              <a:cxnLst/>
-              <a:rect l="0" t="0" r="r" b="b"/>
-              <a:pathLst>
-                <a:path w="2883" h="2627">
-                  <a:moveTo>
-                    <a:pt x="0" y="0"/>
-                  </a:moveTo>
-                  <a:lnTo>
-                    <a:pt x="3" y="3"/>
-                  </a:lnTo>
-                  <a:lnTo>
-                    <a:pt x="2102" y="2627"/>
-                  </a:lnTo>
-                  <a:lnTo>
-                    <a:pt x="2883" y="2627"/>
-                  </a:lnTo>
-                  <a:lnTo>
-                    <a:pt x="225" y="57"/>
-                  </a:lnTo>
-                  <a:lnTo>
-                    <a:pt x="0" y="0"/>
-                  </a:lnTo>
-                  <a:close/>
-                </a:path>
-              </a:pathLst>
-            </a:custGeom>
-            <a:solidFill>
-              <a:schemeClr val="accent1">
-                <a:lumMod val="75000"/>
-              </a:schemeClr>
-            </a:solidFill>
-            <a:ln>
-              <a:noFill/>
-            </a:ln>
-          </p:spPr>
-        </p:sp>
-        <p:sp>
-          <p:nvSpPr>
-            <p:cNvPr id="26" name="Freeform 12">
-              <a:extLst>
-                <a:ext uri="{FF2B5EF4-FFF2-40B4-BE49-F238E27FC236}">
-                  <a16:creationId xmlns:a16="http://schemas.microsoft.com/office/drawing/2014/main" id="{85925599-F99B-48E5-A384-76136C0818B7}"/>
-                </a:ext>
-                <a:ext uri="{C183D7F6-B498-43B3-948B-1728B52AA6E4}">
-                  <adec:decorative xmlns:adec="http://schemas.microsoft.com/office/drawing/2017/decorative" val="1"/>
-                </a:ext>
-              </a:extLst>
-            </p:cNvPr>
-            <p:cNvSpPr/>
-            <p:nvPr>
-              <p:extLst>
-                <p:ext uri="{386F3935-93C4-4BCD-93E2-E3B085C9AB24}">
-                  <p16:designElem xmlns:p16="http://schemas.microsoft.com/office/powerpoint/2015/main" val="1"/>
-                </p:ext>
-              </p:extLst>
-            </p:nvPr>
-          </p:nvSpPr>
-          <p:spPr bwMode="auto">
-            <a:xfrm>
-              <a:off x="2928938" y="2578100"/>
-              <a:ext cx="3584575" cy="4279900"/>
-            </a:xfrm>
-            <a:custGeom>
-              <a:avLst/>
-              <a:gdLst/>
-              <a:ahLst/>
-              <a:cxnLst/>
-              <a:rect l="0" t="0" r="r" b="b"/>
-              <a:pathLst>
-                <a:path w="2258" h="2696">
-                  <a:moveTo>
-                    <a:pt x="2258" y="2696"/>
-                  </a:moveTo>
-                  <a:lnTo>
-                    <a:pt x="264" y="111"/>
-                  </a:lnTo>
-                  <a:lnTo>
-                    <a:pt x="228" y="60"/>
-                  </a:lnTo>
-                  <a:lnTo>
-                    <a:pt x="225" y="57"/>
-                  </a:lnTo>
-                  <a:lnTo>
-                    <a:pt x="0" y="0"/>
-                  </a:lnTo>
-                  <a:lnTo>
-                    <a:pt x="0" y="3"/>
-                  </a:lnTo>
-                  <a:lnTo>
-                    <a:pt x="1697" y="2696"/>
-                  </a:lnTo>
-                  <a:lnTo>
-                    <a:pt x="2258" y="2696"/>
-                  </a:lnTo>
-                  <a:close/>
-                </a:path>
-              </a:pathLst>
-            </a:custGeom>
-            <a:solidFill>
-              <a:schemeClr val="tx1">
-                <a:lumMod val="75000"/>
-                <a:lumOff val="25000"/>
-              </a:schemeClr>
-            </a:solidFill>
-            <a:ln>
-              <a:noFill/>
-            </a:ln>
-          </p:spPr>
-        </p:sp>
-      </p:grpSp>
-      <p:sp>
-        <p:nvSpPr>
-          <p:cNvPr id="2" name="Title 1">
-            <a:extLst>
-              <a:ext uri="{FF2B5EF4-FFF2-40B4-BE49-F238E27FC236}">
-                <a16:creationId xmlns:a16="http://schemas.microsoft.com/office/drawing/2014/main" id="{50366FDF-EB54-9F92-B9F9-99DE6E1E0EB0}"/>
-              </a:ext>
-            </a:extLst>
-          </p:cNvPr>
-          <p:cNvSpPr>
-            <a:spLocks noGrp="1"/>
-          </p:cNvSpPr>
-          <p:nvPr>
-            <p:ph type="title"/>
-          </p:nvPr>
-        </p:nvSpPr>
-        <p:spPr>
-          <a:xfrm>
-            <a:off x="5448299" y="1380068"/>
-            <a:ext cx="6054723" cy="2616199"/>
-          </a:xfrm>
-        </p:spPr>
-        <p:txBody>
-          <a:bodyPr vert="horz" lIns="91440" tIns="45720" rIns="91440" bIns="45720" rtlCol="0" anchor="b">
-            <a:normAutofit/>
-          </a:bodyPr>
-          <a:lstStyle/>
-          <a:p>
-            <a:pPr algn="r"/>
-            <a:r>
-              <a:rPr lang="en-US" sz="6000" dirty="0"/>
-              <a:t>Questions?</a:t>
-            </a:r>
-          </a:p>
-        </p:txBody>
-      </p:sp>
-      <p:pic>
-        <p:nvPicPr>
-          <p:cNvPr id="5" name="Picture 4" descr="A picture containing outdoor object, star, light, night&#10;&#10;Description automatically generated">
-            <a:extLst>
-              <a:ext uri="{FF2B5EF4-FFF2-40B4-BE49-F238E27FC236}">
-                <a16:creationId xmlns:a16="http://schemas.microsoft.com/office/drawing/2014/main" id="{D248F244-2EF7-2A3A-F24F-A9445DE2DCAE}"/>
-              </a:ext>
-            </a:extLst>
-          </p:cNvPr>
-          <p:cNvPicPr>
-            <a:picLocks noChangeAspect="1"/>
-          </p:cNvPicPr>
-          <p:nvPr/>
-        </p:nvPicPr>
-        <p:blipFill rotWithShape="1">
-          <a:blip r:embed="rId3">
-            <a:extLst>
-              <a:ext uri="{28A0092B-C50C-407E-A947-70E740481C1C}">
-                <a14:useLocalDpi xmlns:a14="http://schemas.microsoft.com/office/drawing/2010/main" val="0"/>
-              </a:ext>
-            </a:extLst>
-          </a:blip>
-          <a:srcRect l="33011" r="19503" b="9092"/>
-          <a:stretch/>
-        </p:blipFill>
-        <p:spPr>
-          <a:xfrm>
-            <a:off x="20" y="10"/>
-            <a:ext cx="5448280" cy="6857990"/>
-          </a:xfrm>
-          <a:custGeom>
-            <a:avLst/>
-            <a:gdLst/>
-            <a:ahLst/>
-            <a:cxnLst/>
-            <a:rect l="l" t="t" r="r" b="b"/>
-            <a:pathLst>
-              <a:path w="5448300" h="6858000">
-                <a:moveTo>
-                  <a:pt x="0" y="0"/>
-                </a:moveTo>
-                <a:lnTo>
-                  <a:pt x="3513666" y="0"/>
-                </a:lnTo>
-                <a:lnTo>
-                  <a:pt x="2861733" y="2548466"/>
-                </a:lnTo>
-                <a:lnTo>
-                  <a:pt x="5448300" y="6853767"/>
-                </a:lnTo>
-                <a:lnTo>
-                  <a:pt x="0" y="6858000"/>
-                </a:lnTo>
-                <a:lnTo>
-                  <a:pt x="0" y="0"/>
-                </a:lnTo>
-                <a:close/>
-              </a:path>
-            </a:pathLst>
-          </a:custGeom>
-          <a:ln w="38100">
-            <a:noFill/>
-          </a:ln>
-          <a:effectLst/>
-        </p:spPr>
-      </p:pic>
-    </p:spTree>
-    <p:extLst>
-      <p:ext uri="{BB962C8B-B14F-4D97-AF65-F5344CB8AC3E}">
-        <p14:creationId xmlns:p14="http://schemas.microsoft.com/office/powerpoint/2010/main" val="4251333451"/>
-      </p:ext>
-    </p:extLst>
-  </p:cSld>
-  <p:clrMapOvr>
-    <a:masterClrMapping/>
-  </p:clrMapOvr>
-</p:sld>
-</file>
-
-<file path=ppt/slides/slide2.xml><?xml version="1.0" encoding="utf-8"?>
-<p:sld xmlns:a="http://schemas.openxmlformats.org/drawingml/2006/main" xmlns:r="http://schemas.openxmlformats.org/officeDocument/2006/relationships" xmlns:p="http://schemas.openxmlformats.org/presentationml/2006/main">
-  <p:cSld>
-    <p:bg>
-      <p:bgPr>
-        <a:blipFill rotWithShape="1">
-          <a:blip r:embed="rId3">
-            <a:duotone>
-              <a:schemeClr val="bg2">
-                <a:shade val="76000"/>
-                <a:satMod val="180000"/>
-              </a:schemeClr>
-              <a:schemeClr val="bg2">
-                <a:tint val="80000"/>
-                <a:satMod val="120000"/>
-                <a:lumMod val="180000"/>
-              </a:schemeClr>
-            </a:duotone>
-          </a:blip>
-          <a:stretch/>
-        </a:blipFill>
-        <a:effectLst/>
-      </p:bgPr>
-    </p:bg>
-    <p:spTree>
-      <p:nvGrpSpPr>
-        <p:cNvPr id="1" name=""/>
-        <p:cNvGrpSpPr/>
-        <p:nvPr/>
-      </p:nvGrpSpPr>
-      <p:grpSpPr>
-        <a:xfrm>
-          <a:off x="0" y="0"/>
-          <a:ext cx="0" cy="0"/>
-          <a:chOff x="0" y="0"/>
-          <a:chExt cx="0" cy="0"/>
-        </a:xfrm>
-      </p:grpSpPr>
-      <p:sp useBgFill="1">
-        <p:nvSpPr>
-          <p:cNvPr id="10" name="Rectangle 9">
-            <a:extLst>
-              <a:ext uri="{FF2B5EF4-FFF2-40B4-BE49-F238E27FC236}">
-                <a16:creationId xmlns:a16="http://schemas.microsoft.com/office/drawing/2014/main" id="{85428F22-76B3-4107-AADE-3F9EC95FD325}"/>
-              </a:ext>
-              <a:ext uri="{C183D7F6-B498-43B3-948B-1728B52AA6E4}">
-                <adec:decorative xmlns:adec="http://schemas.microsoft.com/office/drawing/2017/decorative" val="1"/>
-              </a:ext>
-            </a:extLst>
-          </p:cNvPr>
-          <p:cNvSpPr>
-            <a:spLocks noGrp="1" noRot="1" noChangeAspect="1" noMove="1" noResize="1" noEditPoints="1" noAdjustHandles="1" noChangeArrowheads="1" noChangeShapeType="1" noTextEdit="1"/>
-          </p:cNvSpPr>
-          <p:nvPr>
-            <p:extLst>
-              <p:ext uri="{386F3935-93C4-4BCD-93E2-E3B085C9AB24}">
-                <p16:designElem xmlns:p16="http://schemas.microsoft.com/office/powerpoint/2015/main" val="1"/>
-              </p:ext>
-            </p:extLst>
-          </p:nvPr>
-        </p:nvSpPr>
-        <p:spPr>
-          <a:xfrm>
-            <a:off x="0" y="0"/>
-            <a:ext cx="12192000" cy="6858000"/>
-          </a:xfrm>
-          <a:prstGeom prst="rect">
-            <a:avLst/>
-          </a:prstGeom>
-          <a:ln>
-            <a:noFill/>
-          </a:ln>
-        </p:spPr>
-        <p:style>
-          <a:lnRef idx="2">
-            <a:schemeClr val="accent1">
-              <a:shade val="50000"/>
-            </a:schemeClr>
-          </a:lnRef>
-          <a:fillRef idx="1">
-            <a:schemeClr val="accent1"/>
-          </a:fillRef>
-          <a:effectRef idx="0">
-            <a:schemeClr val="accent1"/>
-          </a:effectRef>
-          <a:fontRef idx="minor">
-            <a:schemeClr val="lt1"/>
-          </a:fontRef>
-        </p:style>
-        <p:txBody>
-          <a:bodyPr rtlCol="0" anchor="ctr"/>
-          <a:lstStyle/>
-          <a:p>
-            <a:pPr algn="ctr"/>
-            <a:endParaRPr lang="en-US"/>
-          </a:p>
-        </p:txBody>
-      </p:sp>
-      <p:grpSp>
-        <p:nvGrpSpPr>
-          <p:cNvPr id="12" name="Group 11">
-            <a:extLst>
-              <a:ext uri="{FF2B5EF4-FFF2-40B4-BE49-F238E27FC236}">
-                <a16:creationId xmlns:a16="http://schemas.microsoft.com/office/drawing/2014/main" id="{5346FBCF-5353-4172-96F5-4B7EB07777C4}"/>
-              </a:ext>
-              <a:ext uri="{C183D7F6-B498-43B3-948B-1728B52AA6E4}">
-                <adec:decorative xmlns:adec="http://schemas.microsoft.com/office/drawing/2017/decorative" val="1"/>
-              </a:ext>
-            </a:extLst>
-          </p:cNvPr>
-          <p:cNvGrpSpPr>
-            <a:grpSpLocks noGrp="1" noUngrp="1" noRot="1" noChangeAspect="1" noMove="1" noResize="1"/>
-          </p:cNvGrpSpPr>
-          <p:nvPr>
-            <p:extLst>
-              <p:ext uri="{386F3935-93C4-4BCD-93E2-E3B085C9AB24}">
-                <p16:designElem xmlns:p16="http://schemas.microsoft.com/office/powerpoint/2015/main" val="1"/>
-              </p:ext>
-            </p:extLst>
-          </p:nvPr>
-        </p:nvGrpSpPr>
-        <p:grpSpPr>
-          <a:xfrm>
-            <a:off x="2290265" y="-12875"/>
-            <a:ext cx="2604396" cy="6890194"/>
-            <a:chOff x="2199787" y="-12875"/>
-            <a:chExt cx="2679011" cy="6890194"/>
-          </a:xfrm>
-        </p:grpSpPr>
-        <p:sp useBgFill="1">
-          <p:nvSpPr>
-            <p:cNvPr id="13" name="Rectangle 19">
-              <a:extLst>
-                <a:ext uri="{FF2B5EF4-FFF2-40B4-BE49-F238E27FC236}">
-                  <a16:creationId xmlns:a16="http://schemas.microsoft.com/office/drawing/2014/main" id="{343F3E6D-808D-43AD-9485-AD0014BEAE2A}"/>
-                </a:ext>
-                <a:ext uri="{C183D7F6-B498-43B3-948B-1728B52AA6E4}">
-                  <adec:decorative xmlns:adec="http://schemas.microsoft.com/office/drawing/2017/decorative" val="1"/>
-                </a:ext>
-              </a:extLst>
-            </p:cNvPr>
-            <p:cNvSpPr/>
-            <p:nvPr>
-              <p:extLst>
-                <p:ext uri="{386F3935-93C4-4BCD-93E2-E3B085C9AB24}">
-                  <p16:designElem xmlns:p16="http://schemas.microsoft.com/office/powerpoint/2015/main" val="1"/>
-                </p:ext>
-              </p:extLst>
-            </p:nvPr>
-          </p:nvSpPr>
-          <p:spPr bwMode="white">
-            <a:xfrm>
-              <a:off x="2199787" y="-12875"/>
-              <a:ext cx="2679011" cy="5301468"/>
-            </a:xfrm>
-            <a:custGeom>
-              <a:avLst/>
-              <a:gdLst>
-                <a:gd name="connsiteX0" fmla="*/ 0 w 2570017"/>
-                <a:gd name="connsiteY0" fmla="*/ 0 h 2554287"/>
-                <a:gd name="connsiteX1" fmla="*/ 2570017 w 2570017"/>
-                <a:gd name="connsiteY1" fmla="*/ 0 h 2554287"/>
-                <a:gd name="connsiteX2" fmla="*/ 2570017 w 2570017"/>
-                <a:gd name="connsiteY2" fmla="*/ 2554287 h 2554287"/>
-                <a:gd name="connsiteX3" fmla="*/ 0 w 2570017"/>
-                <a:gd name="connsiteY3" fmla="*/ 2554287 h 2554287"/>
-                <a:gd name="connsiteX4" fmla="*/ 0 w 2570017"/>
-                <a:gd name="connsiteY4" fmla="*/ 0 h 2554287"/>
-                <a:gd name="connsiteX0" fmla="*/ 904009 w 2570017"/>
-                <a:gd name="connsiteY0" fmla="*/ 0 h 2554287"/>
-                <a:gd name="connsiteX1" fmla="*/ 2570017 w 2570017"/>
-                <a:gd name="connsiteY1" fmla="*/ 0 h 2554287"/>
-                <a:gd name="connsiteX2" fmla="*/ 2570017 w 2570017"/>
-                <a:gd name="connsiteY2" fmla="*/ 2554287 h 2554287"/>
-                <a:gd name="connsiteX3" fmla="*/ 0 w 2570017"/>
-                <a:gd name="connsiteY3" fmla="*/ 2554287 h 2554287"/>
-                <a:gd name="connsiteX4" fmla="*/ 904009 w 2570017"/>
-                <a:gd name="connsiteY4" fmla="*/ 0 h 2554287"/>
-                <a:gd name="connsiteX0" fmla="*/ 644236 w 2570017"/>
-                <a:gd name="connsiteY0" fmla="*/ 10391 h 2554287"/>
-                <a:gd name="connsiteX1" fmla="*/ 2570017 w 2570017"/>
-                <a:gd name="connsiteY1" fmla="*/ 0 h 2554287"/>
-                <a:gd name="connsiteX2" fmla="*/ 2570017 w 2570017"/>
-                <a:gd name="connsiteY2" fmla="*/ 2554287 h 2554287"/>
-                <a:gd name="connsiteX3" fmla="*/ 0 w 2570017"/>
-                <a:gd name="connsiteY3" fmla="*/ 2554287 h 2554287"/>
-                <a:gd name="connsiteX4" fmla="*/ 644236 w 2570017"/>
-                <a:gd name="connsiteY4" fmla="*/ 10391 h 2554287"/>
-                <a:gd name="connsiteX0" fmla="*/ 633845 w 2570017"/>
-                <a:gd name="connsiteY0" fmla="*/ 0 h 2554287"/>
-                <a:gd name="connsiteX1" fmla="*/ 2570017 w 2570017"/>
-                <a:gd name="connsiteY1" fmla="*/ 0 h 2554287"/>
-                <a:gd name="connsiteX2" fmla="*/ 2570017 w 2570017"/>
-                <a:gd name="connsiteY2" fmla="*/ 2554287 h 2554287"/>
-                <a:gd name="connsiteX3" fmla="*/ 0 w 2570017"/>
-                <a:gd name="connsiteY3" fmla="*/ 2554287 h 2554287"/>
-                <a:gd name="connsiteX4" fmla="*/ 633845 w 2570017"/>
-                <a:gd name="connsiteY4" fmla="*/ 0 h 2554287"/>
-                <a:gd name="connsiteX0" fmla="*/ 675409 w 2611581"/>
-                <a:gd name="connsiteY0" fmla="*/ 0 h 2554287"/>
-                <a:gd name="connsiteX1" fmla="*/ 2611581 w 2611581"/>
-                <a:gd name="connsiteY1" fmla="*/ 0 h 2554287"/>
-                <a:gd name="connsiteX2" fmla="*/ 2611581 w 2611581"/>
-                <a:gd name="connsiteY2" fmla="*/ 2554287 h 2554287"/>
-                <a:gd name="connsiteX3" fmla="*/ 0 w 2611581"/>
-                <a:gd name="connsiteY3" fmla="*/ 2554287 h 2554287"/>
-                <a:gd name="connsiteX4" fmla="*/ 675409 w 2611581"/>
-                <a:gd name="connsiteY4" fmla="*/ 0 h 2554287"/>
-                <a:gd name="connsiteX0" fmla="*/ 650979 w 2587151"/>
-                <a:gd name="connsiteY0" fmla="*/ 0 h 2554287"/>
-                <a:gd name="connsiteX1" fmla="*/ 2587151 w 2587151"/>
-                <a:gd name="connsiteY1" fmla="*/ 0 h 2554287"/>
-                <a:gd name="connsiteX2" fmla="*/ 2587151 w 2587151"/>
-                <a:gd name="connsiteY2" fmla="*/ 2554287 h 2554287"/>
-                <a:gd name="connsiteX3" fmla="*/ 0 w 2587151"/>
-                <a:gd name="connsiteY3" fmla="*/ 2548595 h 2554287"/>
-                <a:gd name="connsiteX4" fmla="*/ 650979 w 2587151"/>
-                <a:gd name="connsiteY4" fmla="*/ 0 h 2554287"/>
-                <a:gd name="connsiteX0" fmla="*/ 730379 w 2587151"/>
-                <a:gd name="connsiteY0" fmla="*/ 5692 h 2554287"/>
-                <a:gd name="connsiteX1" fmla="*/ 2587151 w 2587151"/>
-                <a:gd name="connsiteY1" fmla="*/ 0 h 2554287"/>
-                <a:gd name="connsiteX2" fmla="*/ 2587151 w 2587151"/>
-                <a:gd name="connsiteY2" fmla="*/ 2554287 h 2554287"/>
-                <a:gd name="connsiteX3" fmla="*/ 0 w 2587151"/>
-                <a:gd name="connsiteY3" fmla="*/ 2548595 h 2554287"/>
-                <a:gd name="connsiteX4" fmla="*/ 730379 w 2587151"/>
-                <a:gd name="connsiteY4" fmla="*/ 5692 h 2554287"/>
-                <a:gd name="connsiteX0" fmla="*/ 864750 w 2587151"/>
-                <a:gd name="connsiteY0" fmla="*/ 2847 h 2554287"/>
-                <a:gd name="connsiteX1" fmla="*/ 2587151 w 2587151"/>
-                <a:gd name="connsiteY1" fmla="*/ 0 h 2554287"/>
-                <a:gd name="connsiteX2" fmla="*/ 2587151 w 2587151"/>
-                <a:gd name="connsiteY2" fmla="*/ 2554287 h 2554287"/>
-                <a:gd name="connsiteX3" fmla="*/ 0 w 2587151"/>
-                <a:gd name="connsiteY3" fmla="*/ 2548595 h 2554287"/>
-                <a:gd name="connsiteX4" fmla="*/ 864750 w 2587151"/>
-                <a:gd name="connsiteY4" fmla="*/ 2847 h 2554287"/>
-                <a:gd name="connsiteX0" fmla="*/ 883073 w 2587151"/>
-                <a:gd name="connsiteY0" fmla="*/ 1 h 2554287"/>
-                <a:gd name="connsiteX1" fmla="*/ 2587151 w 2587151"/>
-                <a:gd name="connsiteY1" fmla="*/ 0 h 2554287"/>
-                <a:gd name="connsiteX2" fmla="*/ 2587151 w 2587151"/>
-                <a:gd name="connsiteY2" fmla="*/ 2554287 h 2554287"/>
-                <a:gd name="connsiteX3" fmla="*/ 0 w 2587151"/>
-                <a:gd name="connsiteY3" fmla="*/ 2548595 h 2554287"/>
-                <a:gd name="connsiteX4" fmla="*/ 883073 w 2587151"/>
-                <a:gd name="connsiteY4" fmla="*/ 1 h 2554287"/>
-                <a:gd name="connsiteX0" fmla="*/ 895288 w 2599366"/>
-                <a:gd name="connsiteY0" fmla="*/ 1 h 2554287"/>
-                <a:gd name="connsiteX1" fmla="*/ 2599366 w 2599366"/>
-                <a:gd name="connsiteY1" fmla="*/ 0 h 2554287"/>
-                <a:gd name="connsiteX2" fmla="*/ 2599366 w 2599366"/>
-                <a:gd name="connsiteY2" fmla="*/ 2554287 h 2554287"/>
-                <a:gd name="connsiteX3" fmla="*/ 0 w 2599366"/>
-                <a:gd name="connsiteY3" fmla="*/ 2542904 h 2554287"/>
-                <a:gd name="connsiteX4" fmla="*/ 895288 w 2599366"/>
-                <a:gd name="connsiteY4" fmla="*/ 1 h 2554287"/>
-                <a:gd name="connsiteX0" fmla="*/ 895288 w 2599366"/>
-                <a:gd name="connsiteY0" fmla="*/ 1 h 2554287"/>
-                <a:gd name="connsiteX1" fmla="*/ 2599366 w 2599366"/>
-                <a:gd name="connsiteY1" fmla="*/ 0 h 2554287"/>
-                <a:gd name="connsiteX2" fmla="*/ 2599366 w 2599366"/>
-                <a:gd name="connsiteY2" fmla="*/ 2554287 h 2554287"/>
-                <a:gd name="connsiteX3" fmla="*/ 0 w 2599366"/>
-                <a:gd name="connsiteY3" fmla="*/ 2542904 h 2554287"/>
-                <a:gd name="connsiteX4" fmla="*/ 895288 w 2599366"/>
-                <a:gd name="connsiteY4" fmla="*/ 1 h 2554287"/>
-                <a:gd name="connsiteX0" fmla="*/ 895288 w 2611581"/>
-                <a:gd name="connsiteY0" fmla="*/ 1 h 2565670"/>
-                <a:gd name="connsiteX1" fmla="*/ 2599366 w 2611581"/>
-                <a:gd name="connsiteY1" fmla="*/ 0 h 2565670"/>
-                <a:gd name="connsiteX2" fmla="*/ 2611581 w 2611581"/>
-                <a:gd name="connsiteY2" fmla="*/ 2565670 h 2565670"/>
-                <a:gd name="connsiteX3" fmla="*/ 0 w 2611581"/>
-                <a:gd name="connsiteY3" fmla="*/ 2542904 h 2565670"/>
-                <a:gd name="connsiteX4" fmla="*/ 895288 w 2611581"/>
-                <a:gd name="connsiteY4" fmla="*/ 1 h 2565670"/>
-                <a:gd name="connsiteX0" fmla="*/ 895288 w 2611581"/>
-                <a:gd name="connsiteY0" fmla="*/ 1 h 2565670"/>
-                <a:gd name="connsiteX1" fmla="*/ 2599366 w 2611581"/>
-                <a:gd name="connsiteY1" fmla="*/ 0 h 2565670"/>
-                <a:gd name="connsiteX2" fmla="*/ 2611581 w 2611581"/>
-                <a:gd name="connsiteY2" fmla="*/ 2565670 h 2565670"/>
-                <a:gd name="connsiteX3" fmla="*/ 0 w 2611581"/>
-                <a:gd name="connsiteY3" fmla="*/ 2542904 h 2565670"/>
-                <a:gd name="connsiteX4" fmla="*/ 895288 w 2611581"/>
-                <a:gd name="connsiteY4" fmla="*/ 1 h 2565670"/>
-                <a:gd name="connsiteX0" fmla="*/ 895288 w 2611581"/>
-                <a:gd name="connsiteY0" fmla="*/ 1 h 2565670"/>
-                <a:gd name="connsiteX1" fmla="*/ 2599366 w 2611581"/>
-                <a:gd name="connsiteY1" fmla="*/ 0 h 2565670"/>
-                <a:gd name="connsiteX2" fmla="*/ 2611581 w 2611581"/>
-                <a:gd name="connsiteY2" fmla="*/ 2565670 h 2565670"/>
-                <a:gd name="connsiteX3" fmla="*/ 0 w 2611581"/>
-                <a:gd name="connsiteY3" fmla="*/ 2545750 h 2565670"/>
-                <a:gd name="connsiteX4" fmla="*/ 895288 w 2611581"/>
-                <a:gd name="connsiteY4" fmla="*/ 1 h 2565670"/>
-                <a:gd name="connsiteX0" fmla="*/ 1544433 w 3260726"/>
-                <a:gd name="connsiteY0" fmla="*/ 1 h 2565670"/>
-                <a:gd name="connsiteX1" fmla="*/ 3248511 w 3260726"/>
-                <a:gd name="connsiteY1" fmla="*/ 0 h 2565670"/>
-                <a:gd name="connsiteX2" fmla="*/ 3260726 w 3260726"/>
-                <a:gd name="connsiteY2" fmla="*/ 2565670 h 2565670"/>
-                <a:gd name="connsiteX3" fmla="*/ 0 w 3260726"/>
-                <a:gd name="connsiteY3" fmla="*/ 2521058 h 2565670"/>
-                <a:gd name="connsiteX4" fmla="*/ 1544433 w 3260726"/>
-                <a:gd name="connsiteY4" fmla="*/ 1 h 2565670"/>
-                <a:gd name="connsiteX0" fmla="*/ 921784 w 3260726"/>
-                <a:gd name="connsiteY0" fmla="*/ 12347 h 2565670"/>
-                <a:gd name="connsiteX1" fmla="*/ 3248511 w 3260726"/>
-                <a:gd name="connsiteY1" fmla="*/ 0 h 2565670"/>
-                <a:gd name="connsiteX2" fmla="*/ 3260726 w 3260726"/>
-                <a:gd name="connsiteY2" fmla="*/ 2565670 h 2565670"/>
-                <a:gd name="connsiteX3" fmla="*/ 0 w 3260726"/>
-                <a:gd name="connsiteY3" fmla="*/ 2521058 h 2565670"/>
-                <a:gd name="connsiteX4" fmla="*/ 921784 w 3260726"/>
-                <a:gd name="connsiteY4" fmla="*/ 12347 h 2565670"/>
-                <a:gd name="connsiteX0" fmla="*/ 921784 w 3260726"/>
-                <a:gd name="connsiteY0" fmla="*/ 12347 h 2565670"/>
-                <a:gd name="connsiteX1" fmla="*/ 2321160 w 3260726"/>
-                <a:gd name="connsiteY1" fmla="*/ 0 h 2565670"/>
-                <a:gd name="connsiteX2" fmla="*/ 3260726 w 3260726"/>
-                <a:gd name="connsiteY2" fmla="*/ 2565670 h 2565670"/>
-                <a:gd name="connsiteX3" fmla="*/ 0 w 3260726"/>
-                <a:gd name="connsiteY3" fmla="*/ 2521058 h 2565670"/>
-                <a:gd name="connsiteX4" fmla="*/ 921784 w 3260726"/>
-                <a:gd name="connsiteY4" fmla="*/ 12347 h 2565670"/>
-                <a:gd name="connsiteX0" fmla="*/ 921784 w 2322228"/>
-                <a:gd name="connsiteY0" fmla="*/ 12347 h 2565670"/>
-                <a:gd name="connsiteX1" fmla="*/ 2321160 w 2322228"/>
-                <a:gd name="connsiteY1" fmla="*/ 0 h 2565670"/>
-                <a:gd name="connsiteX2" fmla="*/ 2320129 w 2322228"/>
-                <a:gd name="connsiteY2" fmla="*/ 2565670 h 2565670"/>
-                <a:gd name="connsiteX3" fmla="*/ 0 w 2322228"/>
-                <a:gd name="connsiteY3" fmla="*/ 2521058 h 2565670"/>
-                <a:gd name="connsiteX4" fmla="*/ 921784 w 2322228"/>
-                <a:gd name="connsiteY4" fmla="*/ 12347 h 2565670"/>
-                <a:gd name="connsiteX0" fmla="*/ 921784 w 2322228"/>
-                <a:gd name="connsiteY0" fmla="*/ 0 h 2571841"/>
-                <a:gd name="connsiteX1" fmla="*/ 2321160 w 2322228"/>
-                <a:gd name="connsiteY1" fmla="*/ 6171 h 2571841"/>
-                <a:gd name="connsiteX2" fmla="*/ 2320129 w 2322228"/>
-                <a:gd name="connsiteY2" fmla="*/ 2571841 h 2571841"/>
-                <a:gd name="connsiteX3" fmla="*/ 0 w 2322228"/>
-                <a:gd name="connsiteY3" fmla="*/ 2527229 h 2571841"/>
-                <a:gd name="connsiteX4" fmla="*/ 921784 w 2322228"/>
-                <a:gd name="connsiteY4" fmla="*/ 0 h 2571841"/>
-                <a:gd name="connsiteX0" fmla="*/ 921784 w 2611583"/>
-                <a:gd name="connsiteY0" fmla="*/ 0 h 2540977"/>
-                <a:gd name="connsiteX1" fmla="*/ 2321160 w 2611583"/>
-                <a:gd name="connsiteY1" fmla="*/ 6171 h 2540977"/>
-                <a:gd name="connsiteX2" fmla="*/ 2611583 w 2611583"/>
-                <a:gd name="connsiteY2" fmla="*/ 2540977 h 2540977"/>
-                <a:gd name="connsiteX3" fmla="*/ 0 w 2611583"/>
-                <a:gd name="connsiteY3" fmla="*/ 2527229 h 2540977"/>
-                <a:gd name="connsiteX4" fmla="*/ 921784 w 2611583"/>
-                <a:gd name="connsiteY4" fmla="*/ 0 h 2540977"/>
-                <a:gd name="connsiteX0" fmla="*/ 921784 w 2611583"/>
-                <a:gd name="connsiteY0" fmla="*/ 2 h 2540979"/>
-                <a:gd name="connsiteX1" fmla="*/ 2572870 w 2611583"/>
-                <a:gd name="connsiteY1" fmla="*/ 0 h 2540979"/>
-                <a:gd name="connsiteX2" fmla="*/ 2611583 w 2611583"/>
-                <a:gd name="connsiteY2" fmla="*/ 2540979 h 2540979"/>
-                <a:gd name="connsiteX3" fmla="*/ 0 w 2611583"/>
-                <a:gd name="connsiteY3" fmla="*/ 2527231 h 2540979"/>
-                <a:gd name="connsiteX4" fmla="*/ 921784 w 2611583"/>
-                <a:gd name="connsiteY4" fmla="*/ 2 h 2540979"/>
-                <a:gd name="connsiteX0" fmla="*/ 921784 w 2705467"/>
-                <a:gd name="connsiteY0" fmla="*/ 0 h 2540977"/>
-                <a:gd name="connsiteX1" fmla="*/ 2705349 w 2705467"/>
-                <a:gd name="connsiteY1" fmla="*/ 6171 h 2540977"/>
-                <a:gd name="connsiteX2" fmla="*/ 2611583 w 2705467"/>
-                <a:gd name="connsiteY2" fmla="*/ 2540977 h 2540977"/>
-                <a:gd name="connsiteX3" fmla="*/ 0 w 2705467"/>
-                <a:gd name="connsiteY3" fmla="*/ 2527229 h 2540977"/>
-                <a:gd name="connsiteX4" fmla="*/ 921784 w 2705467"/>
-                <a:gd name="connsiteY4" fmla="*/ 0 h 2540977"/>
-                <a:gd name="connsiteX0" fmla="*/ 921784 w 2718702"/>
-                <a:gd name="connsiteY0" fmla="*/ 2 h 2540979"/>
-                <a:gd name="connsiteX1" fmla="*/ 2718597 w 2718702"/>
-                <a:gd name="connsiteY1" fmla="*/ 0 h 2540979"/>
-                <a:gd name="connsiteX2" fmla="*/ 2611583 w 2718702"/>
-                <a:gd name="connsiteY2" fmla="*/ 2540979 h 2540979"/>
-                <a:gd name="connsiteX3" fmla="*/ 0 w 2718702"/>
-                <a:gd name="connsiteY3" fmla="*/ 2527231 h 2540979"/>
-                <a:gd name="connsiteX4" fmla="*/ 921784 w 2718702"/>
-                <a:gd name="connsiteY4" fmla="*/ 2 h 2540979"/>
-                <a:gd name="connsiteX0" fmla="*/ 921784 w 2679012"/>
-                <a:gd name="connsiteY0" fmla="*/ 0 h 2540977"/>
-                <a:gd name="connsiteX1" fmla="*/ 2678853 w 2679012"/>
-                <a:gd name="connsiteY1" fmla="*/ 6171 h 2540977"/>
-                <a:gd name="connsiteX2" fmla="*/ 2611583 w 2679012"/>
-                <a:gd name="connsiteY2" fmla="*/ 2540977 h 2540977"/>
-                <a:gd name="connsiteX3" fmla="*/ 0 w 2679012"/>
-                <a:gd name="connsiteY3" fmla="*/ 2527229 h 2540977"/>
-                <a:gd name="connsiteX4" fmla="*/ 921784 w 2679012"/>
-                <a:gd name="connsiteY4" fmla="*/ 0 h 2540977"/>
-              </a:gdLst>
-              <a:ahLst/>
-              <a:cxnLst>
-                <a:cxn ang="0">
-                  <a:pos x="connsiteX0" y="connsiteY0"/>
-                </a:cxn>
-                <a:cxn ang="0">
-                  <a:pos x="connsiteX1" y="connsiteY1"/>
-                </a:cxn>
-                <a:cxn ang="0">
-                  <a:pos x="connsiteX2" y="connsiteY2"/>
-                </a:cxn>
-                <a:cxn ang="0">
-                  <a:pos x="connsiteX3" y="connsiteY3"/>
-                </a:cxn>
-                <a:cxn ang="0">
-                  <a:pos x="connsiteX4" y="connsiteY4"/>
-                </a:cxn>
-              </a:cxnLst>
-              <a:rect l="l" t="t" r="r" b="b"/>
-              <a:pathLst>
-                <a:path w="2679012" h="2540977">
-                  <a:moveTo>
-                    <a:pt x="921784" y="0"/>
-                  </a:moveTo>
-                  <a:lnTo>
-                    <a:pt x="2678853" y="6171"/>
-                  </a:lnTo>
-                  <a:cubicBezTo>
-                    <a:pt x="2682925" y="861394"/>
-                    <a:pt x="2607511" y="1685754"/>
-                    <a:pt x="2611583" y="2540977"/>
-                  </a:cubicBezTo>
-                  <a:lnTo>
-                    <a:pt x="0" y="2527229"/>
-                  </a:lnTo>
-                  <a:lnTo>
-                    <a:pt x="921784" y="0"/>
-                  </a:lnTo>
-                  <a:close/>
-                </a:path>
-              </a:pathLst>
-            </a:custGeom>
-            <a:blipFill rotWithShape="0">
               <a:blip r:embed="rId3">
                 <a:duotone>
                   <a:schemeClr val="bg2">
@@ -24883,38 +23569,46 @@
           <a:lstStyle/>
           <a:p>
             <a:r>
-              <a:rPr lang="en-GB"/>
+              <a:rPr lang="en-GB" dirty="0"/>
               <a:t>Java 17</a:t>
             </a:r>
           </a:p>
           <a:p>
             <a:r>
-              <a:rPr lang="en-GB"/>
+              <a:rPr lang="en-GB" dirty="0"/>
               <a:t>Spring Boot</a:t>
             </a:r>
           </a:p>
           <a:p>
             <a:r>
-              <a:rPr lang="en-GB"/>
+              <a:rPr lang="en-GB" dirty="0"/>
               <a:t>Maven</a:t>
             </a:r>
           </a:p>
           <a:p>
             <a:r>
-              <a:rPr lang="en-GB"/>
+              <a:rPr lang="en-GB" dirty="0" err="1"/>
               <a:t>mySQL</a:t>
             </a:r>
+            <a:endParaRPr lang="en-GB" dirty="0"/>
+          </a:p>
+          <a:p>
+            <a:r>
+              <a:rPr lang="en-GB" dirty="0"/>
+              <a:t>JDBC</a:t>
+            </a:r>
+          </a:p>
+          <a:p>
+            <a:r>
+              <a:rPr lang="en-GB" dirty="0" err="1"/>
+              <a:t>Thymeleaf</a:t>
+            </a:r>
+            <a:endParaRPr lang="en-GB" dirty="0"/>
           </a:p>
           <a:p>
             <a:r>
               <a:rPr lang="en-GB"/>
-              <a:t>JDBC</a:t>
-            </a:r>
-          </a:p>
-          <a:p>
-            <a:r>
-              <a:rPr lang="en-GB"/>
-              <a:t>Thymeleaf</a:t>
+              <a:t>Junit5</a:t>
             </a:r>
           </a:p>
         </p:txBody>
